--- a/01-Introduction-into-Course.pptx
+++ b/01-Introduction-into-Course.pptx
@@ -3919,7 +3919,9 @@
           </a:xfrm>
         </p:spPr>
         <p:txBody>
-          <a:bodyPr/>
+          <a:bodyPr>
+            <a:normAutofit lnSpcReduction="10000"/>
+          </a:bodyPr>
           <a:lstStyle/>
           <a:p>
             <a:pPr>
@@ -4023,6 +4025,32 @@
                 </a:solidFill>
               </a:rPr>
               <a:t>com</a:t>
+            </a:r>
+          </a:p>
+          <a:p>
+            <a:pPr>
+              <a:buFont typeface="Wingdings" panose="05000000000000000000" pitchFamily="2" charset="2"/>
+              <a:buChar char="§"/>
+            </a:pPr>
+            <a:r>
+              <a:rPr lang="bg-BG" dirty="0" smtClean="0">
+                <a:solidFill>
+                  <a:schemeClr val="bg1">
+                    <a:lumMod val="95000"/>
+                  </a:schemeClr>
+                </a:solidFill>
+              </a:rPr>
+              <a:t>Академия Е-поща: </a:t>
+            </a:r>
+            <a:r>
+              <a:rPr lang="en-US" dirty="0" smtClean="0">
+                <a:solidFill>
+                  <a:schemeClr val="bg1">
+                    <a:lumMod val="95000"/>
+                  </a:schemeClr>
+                </a:solidFill>
+              </a:rPr>
+              <a:t>student [at] soft-intellect [dot] com</a:t>
             </a:r>
             <a:endParaRPr lang="bg-BG" dirty="0">
               <a:solidFill>

--- a/01-Introduction-into-Course.pptx
+++ b/01-Introduction-into-Course.pptx
@@ -109,6 +109,22 @@
       </a:defRPr>
     </a:lvl9pPr>
   </p:defaultTextStyle>
+  <p:extLst>
+    <p:ext uri="{EFAFB233-063F-42B5-8137-9DF3F51BA10A}">
+      <p15:sldGuideLst xmlns:p15="http://schemas.microsoft.com/office/powerpoint/2012/main">
+        <p15:guide id="1" orient="horz" pos="2160">
+          <p15:clr>
+            <a:srgbClr val="A4A3A4"/>
+          </p15:clr>
+        </p15:guide>
+        <p15:guide id="2" pos="2880">
+          <p15:clr>
+            <a:srgbClr val="A4A3A4"/>
+          </p15:clr>
+        </p15:guide>
+      </p15:sldGuideLst>
+    </p:ext>
+  </p:extLst>
 </p:presentation>
 </file>
 
@@ -293,7 +309,7 @@
           <a:p>
             <a:fld id="{3EA744D9-3FBE-48D8-BF2A-85DF203E4D20}" type="datetimeFigureOut">
               <a:rPr lang="bg-BG" smtClean="0"/>
-              <a:t>22.4.2015 г.</a:t>
+              <a:t>6.7.2015 г.</a:t>
             </a:fld>
             <a:endParaRPr lang="bg-BG"/>
           </a:p>
@@ -463,7 +479,7 @@
           <a:p>
             <a:fld id="{3EA744D9-3FBE-48D8-BF2A-85DF203E4D20}" type="datetimeFigureOut">
               <a:rPr lang="bg-BG" smtClean="0"/>
-              <a:t>22.4.2015 г.</a:t>
+              <a:t>6.7.2015 г.</a:t>
             </a:fld>
             <a:endParaRPr lang="bg-BG"/>
           </a:p>
@@ -643,7 +659,7 @@
           <a:p>
             <a:fld id="{3EA744D9-3FBE-48D8-BF2A-85DF203E4D20}" type="datetimeFigureOut">
               <a:rPr lang="bg-BG" smtClean="0"/>
-              <a:t>22.4.2015 г.</a:t>
+              <a:t>6.7.2015 г.</a:t>
             </a:fld>
             <a:endParaRPr lang="bg-BG"/>
           </a:p>
@@ -813,7 +829,7 @@
           <a:p>
             <a:fld id="{3EA744D9-3FBE-48D8-BF2A-85DF203E4D20}" type="datetimeFigureOut">
               <a:rPr lang="bg-BG" smtClean="0"/>
-              <a:t>22.4.2015 г.</a:t>
+              <a:t>6.7.2015 г.</a:t>
             </a:fld>
             <a:endParaRPr lang="bg-BG"/>
           </a:p>
@@ -1059,7 +1075,7 @@
           <a:p>
             <a:fld id="{3EA744D9-3FBE-48D8-BF2A-85DF203E4D20}" type="datetimeFigureOut">
               <a:rPr lang="bg-BG" smtClean="0"/>
-              <a:t>22.4.2015 г.</a:t>
+              <a:t>6.7.2015 г.</a:t>
             </a:fld>
             <a:endParaRPr lang="bg-BG"/>
           </a:p>
@@ -1347,7 +1363,7 @@
           <a:p>
             <a:fld id="{3EA744D9-3FBE-48D8-BF2A-85DF203E4D20}" type="datetimeFigureOut">
               <a:rPr lang="bg-BG" smtClean="0"/>
-              <a:t>22.4.2015 г.</a:t>
+              <a:t>6.7.2015 г.</a:t>
             </a:fld>
             <a:endParaRPr lang="bg-BG"/>
           </a:p>
@@ -1769,7 +1785,7 @@
           <a:p>
             <a:fld id="{3EA744D9-3FBE-48D8-BF2A-85DF203E4D20}" type="datetimeFigureOut">
               <a:rPr lang="bg-BG" smtClean="0"/>
-              <a:t>22.4.2015 г.</a:t>
+              <a:t>6.7.2015 г.</a:t>
             </a:fld>
             <a:endParaRPr lang="bg-BG"/>
           </a:p>
@@ -1887,7 +1903,7 @@
           <a:p>
             <a:fld id="{3EA744D9-3FBE-48D8-BF2A-85DF203E4D20}" type="datetimeFigureOut">
               <a:rPr lang="bg-BG" smtClean="0"/>
-              <a:t>22.4.2015 г.</a:t>
+              <a:t>6.7.2015 г.</a:t>
             </a:fld>
             <a:endParaRPr lang="bg-BG"/>
           </a:p>
@@ -1982,7 +1998,7 @@
           <a:p>
             <a:fld id="{3EA744D9-3FBE-48D8-BF2A-85DF203E4D20}" type="datetimeFigureOut">
               <a:rPr lang="bg-BG" smtClean="0"/>
-              <a:t>22.4.2015 г.</a:t>
+              <a:t>6.7.2015 г.</a:t>
             </a:fld>
             <a:endParaRPr lang="bg-BG"/>
           </a:p>
@@ -2259,7 +2275,7 @@
           <a:p>
             <a:fld id="{3EA744D9-3FBE-48D8-BF2A-85DF203E4D20}" type="datetimeFigureOut">
               <a:rPr lang="bg-BG" smtClean="0"/>
-              <a:t>22.4.2015 г.</a:t>
+              <a:t>6.7.2015 г.</a:t>
             </a:fld>
             <a:endParaRPr lang="bg-BG"/>
           </a:p>
@@ -2512,7 +2528,7 @@
           <a:p>
             <a:fld id="{3EA744D9-3FBE-48D8-BF2A-85DF203E4D20}" type="datetimeFigureOut">
               <a:rPr lang="bg-BG" smtClean="0"/>
-              <a:t>22.4.2015 г.</a:t>
+              <a:t>6.7.2015 г.</a:t>
             </a:fld>
             <a:endParaRPr lang="bg-BG"/>
           </a:p>
@@ -2734,7 +2750,7 @@
           <a:p>
             <a:fld id="{3EA744D9-3FBE-48D8-BF2A-85DF203E4D20}" type="datetimeFigureOut">
               <a:rPr lang="bg-BG" smtClean="0"/>
-              <a:t>22.4.2015 г.</a:t>
+              <a:t>6.7.2015 г.</a:t>
             </a:fld>
             <a:endParaRPr lang="bg-BG"/>
           </a:p>
@@ -3464,7 +3480,17 @@
                   </a:schemeClr>
                 </a:solidFill>
               </a:rPr>
-              <a:t>Всяка сряда и петък 19:00 </a:t>
+              <a:t>Всяка </a:t>
+            </a:r>
+            <a:r>
+              <a:rPr lang="bg-BG" dirty="0" smtClean="0">
+                <a:solidFill>
+                  <a:schemeClr val="bg1">
+                    <a:lumMod val="95000"/>
+                  </a:schemeClr>
+                </a:solidFill>
+              </a:rPr>
+              <a:t>вторник и четвъртък 19:00 </a:t>
             </a:r>
             <a:r>
               <a:rPr lang="bg-BG" dirty="0">
@@ -3490,6 +3516,16 @@
               <a:buChar char="§"/>
             </a:pPr>
             <a:r>
+              <a:rPr lang="en-US" dirty="0" smtClean="0">
+                <a:solidFill>
+                  <a:schemeClr val="bg1">
+                    <a:lumMod val="95000"/>
+                  </a:schemeClr>
+                </a:solidFill>
+              </a:rPr>
+              <a:t>06</a:t>
+            </a:r>
+            <a:r>
               <a:rPr lang="bg-BG" dirty="0" smtClean="0">
                 <a:solidFill>
                   <a:schemeClr val="bg1">
@@ -3497,7 +3533,7 @@
                   </a:schemeClr>
                 </a:solidFill>
               </a:rPr>
-              <a:t>2</a:t>
+              <a:t>. 0</a:t>
             </a:r>
             <a:r>
               <a:rPr lang="en-US" dirty="0" smtClean="0">
@@ -3507,7 +3543,7 @@
                   </a:schemeClr>
                 </a:solidFill>
               </a:rPr>
-              <a:t>2</a:t>
+              <a:t>7</a:t>
             </a:r>
             <a:r>
               <a:rPr lang="bg-BG" dirty="0" smtClean="0">
@@ -3527,7 +3563,7 @@
                   </a:schemeClr>
                 </a:solidFill>
               </a:rPr>
-              <a:t>04. 2015 </a:t>
+              <a:t>2015 </a:t>
             </a:r>
             <a:r>
               <a:rPr lang="bg-BG" dirty="0" smtClean="0">
@@ -3557,7 +3593,7 @@
                   </a:schemeClr>
                 </a:solidFill>
               </a:rPr>
-              <a:t>19. </a:t>
+              <a:t>13. 08. </a:t>
             </a:r>
             <a:r>
               <a:rPr lang="bg-BG" dirty="0">
@@ -3567,7 +3603,223 @@
                   </a:schemeClr>
                 </a:solidFill>
               </a:rPr>
-              <a:t>06. 2015 – занимания</a:t>
+              <a:t>2015 – </a:t>
+            </a:r>
+            <a:r>
+              <a:rPr lang="bg-BG" dirty="0" smtClean="0">
+                <a:solidFill>
+                  <a:schemeClr val="bg1">
+                    <a:lumMod val="95000"/>
+                  </a:schemeClr>
+                </a:solidFill>
+              </a:rPr>
+              <a:t>занимания</a:t>
+            </a:r>
+            <a:endParaRPr lang="en-US" dirty="0" smtClean="0">
+              <a:solidFill>
+                <a:schemeClr val="bg1">
+                  <a:lumMod val="95000"/>
+                </a:schemeClr>
+              </a:solidFill>
+            </a:endParaRPr>
+          </a:p>
+          <a:p>
+            <a:pPr>
+              <a:buFont typeface="Wingdings" panose="05000000000000000000" pitchFamily="2" charset="2"/>
+              <a:buChar char="§"/>
+            </a:pPr>
+            <a:r>
+              <a:rPr lang="en-US" dirty="0" smtClean="0">
+                <a:solidFill>
+                  <a:schemeClr val="bg1">
+                    <a:lumMod val="95000"/>
+                  </a:schemeClr>
+                </a:solidFill>
+              </a:rPr>
+              <a:t>17</a:t>
+            </a:r>
+            <a:r>
+              <a:rPr lang="bg-BG" dirty="0" smtClean="0">
+                <a:solidFill>
+                  <a:schemeClr val="bg1">
+                    <a:lumMod val="95000"/>
+                  </a:schemeClr>
+                </a:solidFill>
+              </a:rPr>
+              <a:t>. 0</a:t>
+            </a:r>
+            <a:r>
+              <a:rPr lang="en-US" dirty="0" smtClean="0">
+                <a:solidFill>
+                  <a:schemeClr val="bg1">
+                    <a:lumMod val="95000"/>
+                  </a:schemeClr>
+                </a:solidFill>
+              </a:rPr>
+              <a:t>8</a:t>
+            </a:r>
+            <a:r>
+              <a:rPr lang="bg-BG" dirty="0" smtClean="0">
+                <a:solidFill>
+                  <a:schemeClr val="bg1">
+                    <a:lumMod val="95000"/>
+                  </a:schemeClr>
+                </a:solidFill>
+              </a:rPr>
+              <a:t>. </a:t>
+            </a:r>
+            <a:r>
+              <a:rPr lang="bg-BG" dirty="0">
+                <a:solidFill>
+                  <a:schemeClr val="bg1">
+                    <a:lumMod val="95000"/>
+                  </a:schemeClr>
+                </a:solidFill>
+              </a:rPr>
+              <a:t>2015 –</a:t>
+            </a:r>
+            <a:r>
+              <a:rPr lang="en-US" dirty="0">
+                <a:solidFill>
+                  <a:schemeClr val="bg1">
+                    <a:lumMod val="95000"/>
+                  </a:schemeClr>
+                </a:solidFill>
+              </a:rPr>
+              <a:t> </a:t>
+            </a:r>
+            <a:r>
+              <a:rPr lang="en-US" dirty="0" smtClean="0">
+                <a:solidFill>
+                  <a:schemeClr val="bg1">
+                    <a:lumMod val="95000"/>
+                  </a:schemeClr>
+                </a:solidFill>
+              </a:rPr>
+              <a:t>21</a:t>
+            </a:r>
+            <a:r>
+              <a:rPr lang="bg-BG" dirty="0" smtClean="0">
+                <a:solidFill>
+                  <a:schemeClr val="bg1">
+                    <a:lumMod val="95000"/>
+                  </a:schemeClr>
+                </a:solidFill>
+              </a:rPr>
+              <a:t>. 0</a:t>
+            </a:r>
+            <a:r>
+              <a:rPr lang="en-US" dirty="0" smtClean="0">
+                <a:solidFill>
+                  <a:schemeClr val="bg1">
+                    <a:lumMod val="95000"/>
+                  </a:schemeClr>
+                </a:solidFill>
+              </a:rPr>
+              <a:t>8</a:t>
+            </a:r>
+            <a:r>
+              <a:rPr lang="bg-BG" dirty="0" smtClean="0">
+                <a:solidFill>
+                  <a:schemeClr val="bg1">
+                    <a:lumMod val="95000"/>
+                  </a:schemeClr>
+                </a:solidFill>
+              </a:rPr>
+              <a:t>. </a:t>
+            </a:r>
+            <a:r>
+              <a:rPr lang="bg-BG" dirty="0">
+                <a:solidFill>
+                  <a:schemeClr val="bg1">
+                    <a:lumMod val="95000"/>
+                  </a:schemeClr>
+                </a:solidFill>
+              </a:rPr>
+              <a:t>2015 – </a:t>
+            </a:r>
+            <a:r>
+              <a:rPr lang="bg-BG" dirty="0" smtClean="0">
+                <a:solidFill>
+                  <a:schemeClr val="bg1">
+                    <a:lumMod val="95000"/>
+                  </a:schemeClr>
+                </a:solidFill>
+              </a:rPr>
+              <a:t>ваканция</a:t>
+            </a:r>
+            <a:endParaRPr lang="en-US" dirty="0" smtClean="0">
+              <a:solidFill>
+                <a:schemeClr val="bg1">
+                  <a:lumMod val="95000"/>
+                </a:schemeClr>
+              </a:solidFill>
+            </a:endParaRPr>
+          </a:p>
+          <a:p>
+            <a:pPr>
+              <a:buFont typeface="Wingdings" panose="05000000000000000000" pitchFamily="2" charset="2"/>
+              <a:buChar char="§"/>
+            </a:pPr>
+            <a:r>
+              <a:rPr lang="bg-BG" dirty="0" smtClean="0">
+                <a:solidFill>
+                  <a:schemeClr val="bg1">
+                    <a:lumMod val="95000"/>
+                  </a:schemeClr>
+                </a:solidFill>
+              </a:rPr>
+              <a:t>25. 08. </a:t>
+            </a:r>
+            <a:r>
+              <a:rPr lang="bg-BG" dirty="0">
+                <a:solidFill>
+                  <a:schemeClr val="bg1">
+                    <a:lumMod val="95000"/>
+                  </a:schemeClr>
+                </a:solidFill>
+              </a:rPr>
+              <a:t>2015 –</a:t>
+            </a:r>
+            <a:r>
+              <a:rPr lang="en-US" dirty="0">
+                <a:solidFill>
+                  <a:schemeClr val="bg1">
+                    <a:lumMod val="95000"/>
+                  </a:schemeClr>
+                </a:solidFill>
+              </a:rPr>
+              <a:t> </a:t>
+            </a:r>
+            <a:r>
+              <a:rPr lang="bg-BG" dirty="0" smtClean="0">
+                <a:solidFill>
+                  <a:schemeClr val="bg1">
+                    <a:lumMod val="95000"/>
+                  </a:schemeClr>
+                </a:solidFill>
+              </a:rPr>
+              <a:t>03. 09. </a:t>
+            </a:r>
+            <a:r>
+              <a:rPr lang="bg-BG" dirty="0">
+                <a:solidFill>
+                  <a:schemeClr val="bg1">
+                    <a:lumMod val="95000"/>
+                  </a:schemeClr>
+                </a:solidFill>
+              </a:rPr>
+              <a:t>2015 – </a:t>
+            </a:r>
+            <a:r>
+              <a:rPr lang="bg-BG" dirty="0" smtClean="0">
+                <a:solidFill>
+                  <a:schemeClr val="bg1">
+                    <a:lumMod val="95000"/>
+                  </a:schemeClr>
+                </a:solidFill>
+              </a:rPr>
+              <a:t>занимания</a:t>
             </a:r>
             <a:endParaRPr lang="bg-BG" dirty="0" smtClean="0">
               <a:solidFill>
@@ -3583,16 +3835,6 @@
               <a:buChar char="§"/>
             </a:pPr>
             <a:r>
-              <a:rPr lang="en-US" dirty="0" smtClean="0">
-                <a:solidFill>
-                  <a:schemeClr val="bg1">
-                    <a:lumMod val="95000"/>
-                  </a:schemeClr>
-                </a:solidFill>
-              </a:rPr>
-              <a:t>17</a:t>
-            </a:r>
-            <a:r>
               <a:rPr lang="bg-BG" dirty="0" smtClean="0">
                 <a:solidFill>
                   <a:schemeClr val="bg1">
@@ -3600,7 +3842,7 @@
                   </a:schemeClr>
                 </a:solidFill>
               </a:rPr>
-              <a:t>. </a:t>
+              <a:t>08. 09. </a:t>
             </a:r>
             <a:r>
               <a:rPr lang="bg-BG" dirty="0">
@@ -3610,7 +3852,7 @@
                   </a:schemeClr>
                 </a:solidFill>
               </a:rPr>
-              <a:t>06. 2015 – подготовка за изпит</a:t>
+              <a:t>2015 – подготовка за изпит</a:t>
             </a:r>
           </a:p>
           <a:p>
@@ -3626,27 +3868,7 @@
                   </a:schemeClr>
                 </a:solidFill>
               </a:rPr>
-              <a:t>1</a:t>
-            </a:r>
-            <a:r>
-              <a:rPr lang="en-US" dirty="0" smtClean="0">
-                <a:solidFill>
-                  <a:schemeClr val="bg1">
-                    <a:lumMod val="95000"/>
-                  </a:schemeClr>
-                </a:solidFill>
-              </a:rPr>
-              <a:t>9</a:t>
-            </a:r>
-            <a:r>
-              <a:rPr lang="bg-BG" dirty="0" smtClean="0">
-                <a:solidFill>
-                  <a:schemeClr val="bg1">
-                    <a:lumMod val="95000"/>
-                  </a:schemeClr>
-                </a:solidFill>
-              </a:rPr>
-              <a:t>. </a:t>
+              <a:t>10. 09. </a:t>
             </a:r>
             <a:r>
               <a:rPr lang="bg-BG" dirty="0">
@@ -3656,7 +3878,7 @@
                   </a:schemeClr>
                 </a:solidFill>
               </a:rPr>
-              <a:t>06. 2015 – изпит (тест и задача)</a:t>
+              <a:t>2015 – изпит (тест и задача)</a:t>
             </a:r>
           </a:p>
         </p:txBody>

--- a/01-Introduction-into-Course.pptx
+++ b/01-Introduction-into-Course.pptx
@@ -8,9 +8,12 @@
     <p:sldId id="256" r:id="rId2"/>
     <p:sldId id="258" r:id="rId3"/>
     <p:sldId id="257" r:id="rId4"/>
-    <p:sldId id="259" r:id="rId5"/>
-    <p:sldId id="260" r:id="rId6"/>
-    <p:sldId id="261" r:id="rId7"/>
+    <p:sldId id="262" r:id="rId5"/>
+    <p:sldId id="259" r:id="rId6"/>
+    <p:sldId id="264" r:id="rId7"/>
+    <p:sldId id="263" r:id="rId8"/>
+    <p:sldId id="260" r:id="rId9"/>
+    <p:sldId id="261" r:id="rId10"/>
   </p:sldIdLst>
   <p:sldSz cx="9144000" cy="6858000" type="screen4x3"/>
   <p:notesSz cx="6858000" cy="9144000"/>
@@ -309,7 +312,7 @@
           <a:p>
             <a:fld id="{3EA744D9-3FBE-48D8-BF2A-85DF203E4D20}" type="datetimeFigureOut">
               <a:rPr lang="bg-BG" smtClean="0"/>
-              <a:t>6.7.2015 г.</a:t>
+              <a:t>18.11.2015 г.</a:t>
             </a:fld>
             <a:endParaRPr lang="bg-BG"/>
           </a:p>
@@ -479,7 +482,7 @@
           <a:p>
             <a:fld id="{3EA744D9-3FBE-48D8-BF2A-85DF203E4D20}" type="datetimeFigureOut">
               <a:rPr lang="bg-BG" smtClean="0"/>
-              <a:t>6.7.2015 г.</a:t>
+              <a:t>18.11.2015 г.</a:t>
             </a:fld>
             <a:endParaRPr lang="bg-BG"/>
           </a:p>
@@ -659,7 +662,7 @@
           <a:p>
             <a:fld id="{3EA744D9-3FBE-48D8-BF2A-85DF203E4D20}" type="datetimeFigureOut">
               <a:rPr lang="bg-BG" smtClean="0"/>
-              <a:t>6.7.2015 г.</a:t>
+              <a:t>18.11.2015 г.</a:t>
             </a:fld>
             <a:endParaRPr lang="bg-BG"/>
           </a:p>
@@ -829,7 +832,7 @@
           <a:p>
             <a:fld id="{3EA744D9-3FBE-48D8-BF2A-85DF203E4D20}" type="datetimeFigureOut">
               <a:rPr lang="bg-BG" smtClean="0"/>
-              <a:t>6.7.2015 г.</a:t>
+              <a:t>18.11.2015 г.</a:t>
             </a:fld>
             <a:endParaRPr lang="bg-BG"/>
           </a:p>
@@ -1075,7 +1078,7 @@
           <a:p>
             <a:fld id="{3EA744D9-3FBE-48D8-BF2A-85DF203E4D20}" type="datetimeFigureOut">
               <a:rPr lang="bg-BG" smtClean="0"/>
-              <a:t>6.7.2015 г.</a:t>
+              <a:t>18.11.2015 г.</a:t>
             </a:fld>
             <a:endParaRPr lang="bg-BG"/>
           </a:p>
@@ -1363,7 +1366,7 @@
           <a:p>
             <a:fld id="{3EA744D9-3FBE-48D8-BF2A-85DF203E4D20}" type="datetimeFigureOut">
               <a:rPr lang="bg-BG" smtClean="0"/>
-              <a:t>6.7.2015 г.</a:t>
+              <a:t>18.11.2015 г.</a:t>
             </a:fld>
             <a:endParaRPr lang="bg-BG"/>
           </a:p>
@@ -1785,7 +1788,7 @@
           <a:p>
             <a:fld id="{3EA744D9-3FBE-48D8-BF2A-85DF203E4D20}" type="datetimeFigureOut">
               <a:rPr lang="bg-BG" smtClean="0"/>
-              <a:t>6.7.2015 г.</a:t>
+              <a:t>18.11.2015 г.</a:t>
             </a:fld>
             <a:endParaRPr lang="bg-BG"/>
           </a:p>
@@ -1903,7 +1906,7 @@
           <a:p>
             <a:fld id="{3EA744D9-3FBE-48D8-BF2A-85DF203E4D20}" type="datetimeFigureOut">
               <a:rPr lang="bg-BG" smtClean="0"/>
-              <a:t>6.7.2015 г.</a:t>
+              <a:t>18.11.2015 г.</a:t>
             </a:fld>
             <a:endParaRPr lang="bg-BG"/>
           </a:p>
@@ -1998,7 +2001,7 @@
           <a:p>
             <a:fld id="{3EA744D9-3FBE-48D8-BF2A-85DF203E4D20}" type="datetimeFigureOut">
               <a:rPr lang="bg-BG" smtClean="0"/>
-              <a:t>6.7.2015 г.</a:t>
+              <a:t>18.11.2015 г.</a:t>
             </a:fld>
             <a:endParaRPr lang="bg-BG"/>
           </a:p>
@@ -2275,7 +2278,7 @@
           <a:p>
             <a:fld id="{3EA744D9-3FBE-48D8-BF2A-85DF203E4D20}" type="datetimeFigureOut">
               <a:rPr lang="bg-BG" smtClean="0"/>
-              <a:t>6.7.2015 г.</a:t>
+              <a:t>18.11.2015 г.</a:t>
             </a:fld>
             <a:endParaRPr lang="bg-BG"/>
           </a:p>
@@ -2528,7 +2531,7 @@
           <a:p>
             <a:fld id="{3EA744D9-3FBE-48D8-BF2A-85DF203E4D20}" type="datetimeFigureOut">
               <a:rPr lang="bg-BG" smtClean="0"/>
-              <a:t>6.7.2015 г.</a:t>
+              <a:t>18.11.2015 г.</a:t>
             </a:fld>
             <a:endParaRPr lang="bg-BG"/>
           </a:p>
@@ -2750,7 +2753,7 @@
           <a:p>
             <a:fld id="{3EA744D9-3FBE-48D8-BF2A-85DF203E4D20}" type="datetimeFigureOut">
               <a:rPr lang="bg-BG" smtClean="0"/>
-              <a:t>6.7.2015 г.</a:t>
+              <a:t>18.11.2015 г.</a:t>
             </a:fld>
             <a:endParaRPr lang="bg-BG"/>
           </a:p>
@@ -3480,7 +3483,17 @@
                   </a:schemeClr>
                 </a:solidFill>
               </a:rPr>
-              <a:t>Всяка </a:t>
+              <a:t>Всяка сряда от 19:00 </a:t>
+            </a:r>
+            <a:r>
+              <a:rPr lang="bg-BG" dirty="0">
+                <a:solidFill>
+                  <a:schemeClr val="bg1">
+                    <a:lumMod val="95000"/>
+                  </a:schemeClr>
+                </a:solidFill>
+              </a:rPr>
+              <a:t>– </a:t>
             </a:r>
             <a:r>
               <a:rPr lang="bg-BG" dirty="0" smtClean="0">
@@ -3490,17 +3503,22 @@
                   </a:schemeClr>
                 </a:solidFill>
               </a:rPr>
-              <a:t>вторник и четвъртък 19:00 </a:t>
-            </a:r>
-            <a:r>
-              <a:rPr lang="bg-BG" dirty="0">
-                <a:solidFill>
-                  <a:schemeClr val="bg1">
-                    <a:lumMod val="95000"/>
-                  </a:schemeClr>
-                </a:solidFill>
-              </a:rPr>
-              <a:t>– 22:00 </a:t>
+              <a:t>22:00 и </a:t>
+            </a:r>
+          </a:p>
+          <a:p>
+            <a:pPr marL="0" indent="0">
+              <a:buNone/>
+            </a:pPr>
+            <a:r>
+              <a:rPr lang="bg-BG" dirty="0" smtClean="0">
+                <a:solidFill>
+                  <a:schemeClr val="bg1">
+                    <a:lumMod val="95000"/>
+                  </a:schemeClr>
+                </a:solidFill>
+              </a:rPr>
+              <a:t>    всека събота от 12:00 – 15:00 часа </a:t>
             </a:r>
             <a:endParaRPr lang="en-US" dirty="0">
               <a:solidFill>
@@ -3516,6 +3534,36 @@
               <a:buChar char="§"/>
             </a:pPr>
             <a:r>
+              <a:rPr lang="bg-BG" dirty="0" smtClean="0">
+                <a:solidFill>
+                  <a:schemeClr val="bg1">
+                    <a:lumMod val="95000"/>
+                  </a:schemeClr>
+                </a:solidFill>
+              </a:rPr>
+              <a:t>18. 11. </a:t>
+            </a:r>
+            <a:r>
+              <a:rPr lang="bg-BG" dirty="0">
+                <a:solidFill>
+                  <a:schemeClr val="bg1">
+                    <a:lumMod val="95000"/>
+                  </a:schemeClr>
+                </a:solidFill>
+              </a:rPr>
+              <a:t>2015 </a:t>
+            </a:r>
+            <a:r>
+              <a:rPr lang="bg-BG" dirty="0" smtClean="0">
+                <a:solidFill>
+                  <a:schemeClr val="bg1">
+                    <a:lumMod val="95000"/>
+                  </a:schemeClr>
+                </a:solidFill>
+              </a:rPr>
+              <a:t>–</a:t>
+            </a:r>
+            <a:r>
               <a:rPr lang="en-US" dirty="0" smtClean="0">
                 <a:solidFill>
                   <a:schemeClr val="bg1">
@@ -3523,7 +3571,7 @@
                   </a:schemeClr>
                 </a:solidFill>
               </a:rPr>
-              <a:t>06</a:t>
+              <a:t> </a:t>
             </a:r>
             <a:r>
               <a:rPr lang="bg-BG" dirty="0" smtClean="0">
@@ -3533,67 +3581,7 @@
                   </a:schemeClr>
                 </a:solidFill>
               </a:rPr>
-              <a:t>. 0</a:t>
-            </a:r>
-            <a:r>
-              <a:rPr lang="en-US" dirty="0" smtClean="0">
-                <a:solidFill>
-                  <a:schemeClr val="bg1">
-                    <a:lumMod val="95000"/>
-                  </a:schemeClr>
-                </a:solidFill>
-              </a:rPr>
-              <a:t>7</a:t>
-            </a:r>
-            <a:r>
-              <a:rPr lang="bg-BG" dirty="0" smtClean="0">
-                <a:solidFill>
-                  <a:schemeClr val="bg1">
-                    <a:lumMod val="95000"/>
-                  </a:schemeClr>
-                </a:solidFill>
-              </a:rPr>
-              <a:t>. </a:t>
-            </a:r>
-            <a:r>
-              <a:rPr lang="bg-BG" dirty="0">
-                <a:solidFill>
-                  <a:schemeClr val="bg1">
-                    <a:lumMod val="95000"/>
-                  </a:schemeClr>
-                </a:solidFill>
-              </a:rPr>
-              <a:t>2015 </a:t>
-            </a:r>
-            <a:r>
-              <a:rPr lang="bg-BG" dirty="0" smtClean="0">
-                <a:solidFill>
-                  <a:schemeClr val="bg1">
-                    <a:lumMod val="95000"/>
-                  </a:schemeClr>
-                </a:solidFill>
-              </a:rPr>
-              <a:t>–</a:t>
-            </a:r>
-            <a:r>
-              <a:rPr lang="en-US" dirty="0" smtClean="0">
-                <a:solidFill>
-                  <a:schemeClr val="bg1">
-                    <a:lumMod val="95000"/>
-                  </a:schemeClr>
-                </a:solidFill>
-              </a:rPr>
-              <a:t> </a:t>
-            </a:r>
-            <a:r>
-              <a:rPr lang="bg-BG" dirty="0" smtClean="0">
-                <a:solidFill>
-                  <a:schemeClr val="bg1">
-                    <a:lumMod val="95000"/>
-                  </a:schemeClr>
-                </a:solidFill>
-              </a:rPr>
-              <a:t>13. 08. </a:t>
+              <a:t>19. 12. </a:t>
             </a:r>
             <a:r>
               <a:rPr lang="bg-BG" dirty="0">
@@ -3629,16 +3617,6 @@
               <a:buChar char="§"/>
             </a:pPr>
             <a:r>
-              <a:rPr lang="en-US" dirty="0" smtClean="0">
-                <a:solidFill>
-                  <a:schemeClr val="bg1">
-                    <a:lumMod val="95000"/>
-                  </a:schemeClr>
-                </a:solidFill>
-              </a:rPr>
-              <a:t>17</a:t>
-            </a:r>
-            <a:r>
               <a:rPr lang="bg-BG" dirty="0" smtClean="0">
                 <a:solidFill>
                   <a:schemeClr val="bg1">
@@ -3646,17 +3624,27 @@
                   </a:schemeClr>
                 </a:solidFill>
               </a:rPr>
-              <a:t>. 0</a:t>
-            </a:r>
-            <a:r>
-              <a:rPr lang="en-US" dirty="0" smtClean="0">
-                <a:solidFill>
-                  <a:schemeClr val="bg1">
-                    <a:lumMod val="95000"/>
-                  </a:schemeClr>
-                </a:solidFill>
-              </a:rPr>
-              <a:t>8</a:t>
+              <a:t>21. 12. </a:t>
+            </a:r>
+            <a:r>
+              <a:rPr lang="bg-BG" dirty="0">
+                <a:solidFill>
+                  <a:schemeClr val="bg1">
+                    <a:lumMod val="95000"/>
+                  </a:schemeClr>
+                </a:solidFill>
+              </a:rPr>
+              <a:t>2015 –</a:t>
+            </a:r>
+            <a:r>
+              <a:rPr lang="en-US" dirty="0">
+                <a:solidFill>
+                  <a:schemeClr val="bg1">
+                    <a:lumMod val="95000"/>
+                  </a:schemeClr>
+                </a:solidFill>
+              </a:rPr>
+              <a:t> </a:t>
             </a:r>
             <a:r>
               <a:rPr lang="bg-BG" dirty="0" smtClean="0">
@@ -3666,7 +3654,7 @@
                   </a:schemeClr>
                 </a:solidFill>
               </a:rPr>
-              <a:t>. </a:t>
+              <a:t>03. 01. 2016 </a:t>
             </a:r>
             <a:r>
               <a:rPr lang="bg-BG" dirty="0">
@@ -3676,67 +3664,7 @@
                   </a:schemeClr>
                 </a:solidFill>
               </a:rPr>
-              <a:t>2015 –</a:t>
-            </a:r>
-            <a:r>
-              <a:rPr lang="en-US" dirty="0">
-                <a:solidFill>
-                  <a:schemeClr val="bg1">
-                    <a:lumMod val="95000"/>
-                  </a:schemeClr>
-                </a:solidFill>
-              </a:rPr>
-              <a:t> </a:t>
-            </a:r>
-            <a:r>
-              <a:rPr lang="en-US" dirty="0" smtClean="0">
-                <a:solidFill>
-                  <a:schemeClr val="bg1">
-                    <a:lumMod val="95000"/>
-                  </a:schemeClr>
-                </a:solidFill>
-              </a:rPr>
-              <a:t>21</a:t>
-            </a:r>
-            <a:r>
-              <a:rPr lang="bg-BG" dirty="0" smtClean="0">
-                <a:solidFill>
-                  <a:schemeClr val="bg1">
-                    <a:lumMod val="95000"/>
-                  </a:schemeClr>
-                </a:solidFill>
-              </a:rPr>
-              <a:t>. 0</a:t>
-            </a:r>
-            <a:r>
-              <a:rPr lang="en-US" dirty="0" smtClean="0">
-                <a:solidFill>
-                  <a:schemeClr val="bg1">
-                    <a:lumMod val="95000"/>
-                  </a:schemeClr>
-                </a:solidFill>
-              </a:rPr>
-              <a:t>8</a:t>
-            </a:r>
-            <a:r>
-              <a:rPr lang="bg-BG" dirty="0" smtClean="0">
-                <a:solidFill>
-                  <a:schemeClr val="bg1">
-                    <a:lumMod val="95000"/>
-                  </a:schemeClr>
-                </a:solidFill>
-              </a:rPr>
-              <a:t>. </a:t>
-            </a:r>
-            <a:r>
-              <a:rPr lang="bg-BG" dirty="0">
-                <a:solidFill>
-                  <a:schemeClr val="bg1">
-                    <a:lumMod val="95000"/>
-                  </a:schemeClr>
-                </a:solidFill>
-              </a:rPr>
-              <a:t>2015 – </a:t>
+              <a:t>– </a:t>
             </a:r>
             <a:r>
               <a:rPr lang="bg-BG" dirty="0" smtClean="0">
@@ -3769,7 +3697,7 @@
                   </a:schemeClr>
                 </a:solidFill>
               </a:rPr>
-              <a:t>25. 08. </a:t>
+              <a:t>06. 01. 2016 </a:t>
             </a:r>
             <a:r>
               <a:rPr lang="bg-BG" dirty="0">
@@ -3779,7 +3707,7 @@
                   </a:schemeClr>
                 </a:solidFill>
               </a:rPr>
-              <a:t>2015 –</a:t>
+              <a:t>–</a:t>
             </a:r>
             <a:r>
               <a:rPr lang="en-US" dirty="0">
@@ -3799,7 +3727,7 @@
                   </a:schemeClr>
                 </a:solidFill>
               </a:rPr>
-              <a:t>03. 09. </a:t>
+              <a:t>23. 01. 2016 </a:t>
             </a:r>
             <a:r>
               <a:rPr lang="bg-BG" dirty="0">
@@ -3809,7 +3737,7 @@
                   </a:schemeClr>
                 </a:solidFill>
               </a:rPr>
-              <a:t>2015 – </a:t>
+              <a:t>– </a:t>
             </a:r>
             <a:r>
               <a:rPr lang="bg-BG" dirty="0" smtClean="0">
@@ -3821,13 +3749,6 @@
               </a:rPr>
               <a:t>занимания</a:t>
             </a:r>
-            <a:endParaRPr lang="bg-BG" dirty="0" smtClean="0">
-              <a:solidFill>
-                <a:schemeClr val="bg1">
-                  <a:lumMod val="95000"/>
-                </a:schemeClr>
-              </a:solidFill>
-            </a:endParaRPr>
           </a:p>
           <a:p>
             <a:pPr>
@@ -3842,7 +3763,7 @@
                   </a:schemeClr>
                 </a:solidFill>
               </a:rPr>
-              <a:t>08. 09. </a:t>
+              <a:t>27. 01. </a:t>
             </a:r>
             <a:r>
               <a:rPr lang="bg-BG" dirty="0">
@@ -3868,7 +3789,7 @@
                   </a:schemeClr>
                 </a:solidFill>
               </a:rPr>
-              <a:t>10. 09. </a:t>
+              <a:t>30. 01. </a:t>
             </a:r>
             <a:r>
               <a:rPr lang="bg-BG" dirty="0">
@@ -3942,27 +3863,19 @@
           <a:p>
             <a:pPr algn="l"/>
             <a:r>
-              <a:rPr lang="bg-BG" dirty="0" smtClean="0">
+              <a:rPr lang="bg-BG" dirty="0">
                 <a:solidFill>
                   <a:schemeClr val="accent6"/>
                 </a:solidFill>
               </a:rPr>
-              <a:t>План-програма </a:t>
-            </a:r>
-            <a:r>
-              <a:rPr lang="bg-BG" dirty="0">
-                <a:solidFill>
-                  <a:schemeClr val="accent6"/>
-                </a:solidFill>
-              </a:rPr>
-              <a:t>на курса</a:t>
-            </a:r>
-          </a:p>
-        </p:txBody>
-      </p:sp>
-      <p:sp>
-        <p:nvSpPr>
-          <p:cNvPr id="3" name="Content Placeholder 2"/>
+              <a:t>Провеждане часовете в курса</a:t>
+            </a:r>
+          </a:p>
+        </p:txBody>
+      </p:sp>
+      <p:sp>
+        <p:nvSpPr>
+          <p:cNvPr id="6" name="Content Placeholder 5"/>
           <p:cNvSpPr>
             <a:spLocks noGrp="1"/>
           </p:cNvSpPr>
@@ -3970,95 +3883,43 @@
             <p:ph idx="1"/>
           </p:nvPr>
         </p:nvSpPr>
+        <p:spPr/>
+        <p:txBody>
+          <a:bodyPr/>
+          <a:lstStyle/>
+          <a:p>
+            <a:endParaRPr lang="bg-BG" dirty="0"/>
+          </a:p>
+        </p:txBody>
+      </p:sp>
+      <p:pic>
+        <p:nvPicPr>
+          <p:cNvPr id="7" name="Picture 6"/>
+          <p:cNvPicPr>
+            <a:picLocks noChangeAspect="1"/>
+          </p:cNvPicPr>
+          <p:nvPr/>
+        </p:nvPicPr>
+        <p:blipFill>
+          <a:blip r:embed="rId2"/>
+          <a:stretch>
+            <a:fillRect/>
+          </a:stretch>
+        </p:blipFill>
         <p:spPr>
           <a:xfrm>
-            <a:off x="762000" y="1676400"/>
-            <a:ext cx="7620000" cy="4525963"/>
+            <a:off x="1162050" y="2143125"/>
+            <a:ext cx="6819900" cy="2571750"/>
           </a:xfrm>
+          <a:prstGeom prst="rect">
+            <a:avLst/>
+          </a:prstGeom>
         </p:spPr>
-        <p:txBody>
-          <a:bodyPr/>
-          <a:lstStyle/>
-          <a:p>
-            <a:pPr>
-              <a:buFont typeface="Wingdings" panose="05000000000000000000" pitchFamily="2" charset="2"/>
-              <a:buChar char="§"/>
-            </a:pPr>
-            <a:r>
-              <a:rPr lang="bg-BG" dirty="0">
-                <a:solidFill>
-                  <a:schemeClr val="bg1">
-                    <a:lumMod val="95000"/>
-                  </a:schemeClr>
-                </a:solidFill>
-              </a:rPr>
-              <a:t>Практическа насоченост</a:t>
-            </a:r>
-          </a:p>
-          <a:p>
-            <a:pPr>
-              <a:buFont typeface="Wingdings" panose="05000000000000000000" pitchFamily="2" charset="2"/>
-              <a:buChar char="§"/>
-            </a:pPr>
-            <a:r>
-              <a:rPr lang="bg-BG" dirty="0">
-                <a:solidFill>
-                  <a:schemeClr val="bg1">
-                    <a:lumMod val="95000"/>
-                  </a:schemeClr>
-                </a:solidFill>
-              </a:rPr>
-              <a:t>Примери за всичко</a:t>
-            </a:r>
-          </a:p>
-          <a:p>
-            <a:pPr>
-              <a:buFont typeface="Wingdings" panose="05000000000000000000" pitchFamily="2" charset="2"/>
-              <a:buChar char="§"/>
-            </a:pPr>
-            <a:r>
-              <a:rPr lang="bg-BG" dirty="0">
-                <a:solidFill>
-                  <a:schemeClr val="bg1">
-                    <a:lumMod val="95000"/>
-                  </a:schemeClr>
-                </a:solidFill>
-              </a:rPr>
-              <a:t>Домашни работи</a:t>
-            </a:r>
-          </a:p>
-          <a:p>
-            <a:pPr>
-              <a:buFont typeface="Wingdings" panose="05000000000000000000" pitchFamily="2" charset="2"/>
-              <a:buChar char="§"/>
-            </a:pPr>
-            <a:r>
-              <a:rPr lang="bg-BG" dirty="0">
-                <a:solidFill>
-                  <a:schemeClr val="bg1">
-                    <a:lumMod val="95000"/>
-                  </a:schemeClr>
-                </a:solidFill>
-              </a:rPr>
-              <a:t>Групови задачи</a:t>
-            </a:r>
-            <a:endParaRPr lang="en-US" dirty="0">
-              <a:solidFill>
-                <a:schemeClr val="bg1">
-                  <a:lumMod val="95000"/>
-                </a:schemeClr>
-              </a:solidFill>
-            </a:endParaRPr>
-          </a:p>
-          <a:p>
-            <a:endParaRPr lang="en-US" dirty="0"/>
-          </a:p>
-        </p:txBody>
-      </p:sp>
+      </p:pic>
     </p:spTree>
     <p:extLst>
       <p:ext uri="{BB962C8B-B14F-4D97-AF65-F5344CB8AC3E}">
-        <p14:creationId xmlns:p14="http://schemas.microsoft.com/office/powerpoint/2010/main" val="2692387228"/>
+        <p14:creationId xmlns:p14="http://schemas.microsoft.com/office/powerpoint/2010/main" val="2878552647"/>
       </p:ext>
     </p:extLst>
   </p:cSld>
@@ -4114,12 +3975,20 @@
           <a:p>
             <a:pPr algn="l"/>
             <a:r>
+              <a:rPr lang="bg-BG" dirty="0" smtClean="0">
+                <a:solidFill>
+                  <a:schemeClr val="accent6"/>
+                </a:solidFill>
+              </a:rPr>
+              <a:t>План-програма </a:t>
+            </a:r>
+            <a:r>
               <a:rPr lang="bg-BG" dirty="0">
                 <a:solidFill>
                   <a:schemeClr val="accent6"/>
                 </a:solidFill>
               </a:rPr>
-              <a:t>За лектора</a:t>
+              <a:t>на курса</a:t>
             </a:r>
           </a:p>
         </p:txBody>
@@ -4138,6 +4007,1302 @@
           <a:xfrm>
             <a:off x="762000" y="1676400"/>
             <a:ext cx="7620000" cy="4525963"/>
+          </a:xfrm>
+        </p:spPr>
+        <p:txBody>
+          <a:bodyPr/>
+          <a:lstStyle/>
+          <a:p>
+            <a:pPr>
+              <a:buFont typeface="Wingdings" panose="05000000000000000000" pitchFamily="2" charset="2"/>
+              <a:buChar char="§"/>
+            </a:pPr>
+            <a:r>
+              <a:rPr lang="bg-BG" dirty="0">
+                <a:solidFill>
+                  <a:schemeClr val="bg1">
+                    <a:lumMod val="95000"/>
+                  </a:schemeClr>
+                </a:solidFill>
+              </a:rPr>
+              <a:t>Практическа насоченост</a:t>
+            </a:r>
+          </a:p>
+          <a:p>
+            <a:pPr>
+              <a:buFont typeface="Wingdings" panose="05000000000000000000" pitchFamily="2" charset="2"/>
+              <a:buChar char="§"/>
+            </a:pPr>
+            <a:r>
+              <a:rPr lang="bg-BG" dirty="0">
+                <a:solidFill>
+                  <a:schemeClr val="bg1">
+                    <a:lumMod val="95000"/>
+                  </a:schemeClr>
+                </a:solidFill>
+              </a:rPr>
+              <a:t>Примери за всичко</a:t>
+            </a:r>
+          </a:p>
+          <a:p>
+            <a:pPr>
+              <a:buFont typeface="Wingdings" panose="05000000000000000000" pitchFamily="2" charset="2"/>
+              <a:buChar char="§"/>
+            </a:pPr>
+            <a:r>
+              <a:rPr lang="bg-BG" dirty="0">
+                <a:solidFill>
+                  <a:schemeClr val="bg1">
+                    <a:lumMod val="95000"/>
+                  </a:schemeClr>
+                </a:solidFill>
+              </a:rPr>
+              <a:t>Домашни работи</a:t>
+            </a:r>
+          </a:p>
+          <a:p>
+            <a:pPr>
+              <a:buFont typeface="Wingdings" panose="05000000000000000000" pitchFamily="2" charset="2"/>
+              <a:buChar char="§"/>
+            </a:pPr>
+            <a:r>
+              <a:rPr lang="bg-BG" dirty="0">
+                <a:solidFill>
+                  <a:schemeClr val="bg1">
+                    <a:lumMod val="95000"/>
+                  </a:schemeClr>
+                </a:solidFill>
+              </a:rPr>
+              <a:t>Групови задачи</a:t>
+            </a:r>
+            <a:endParaRPr lang="en-US" dirty="0">
+              <a:solidFill>
+                <a:schemeClr val="bg1">
+                  <a:lumMod val="95000"/>
+                </a:schemeClr>
+              </a:solidFill>
+            </a:endParaRPr>
+          </a:p>
+          <a:p>
+            <a:endParaRPr lang="en-US" dirty="0"/>
+          </a:p>
+        </p:txBody>
+      </p:sp>
+    </p:spTree>
+    <p:extLst>
+      <p:ext uri="{BB962C8B-B14F-4D97-AF65-F5344CB8AC3E}">
+        <p14:creationId xmlns:p14="http://schemas.microsoft.com/office/powerpoint/2010/main" val="2692387228"/>
+      </p:ext>
+    </p:extLst>
+  </p:cSld>
+  <p:clrMapOvr>
+    <a:masterClrMapping/>
+  </p:clrMapOvr>
+  <p:timing>
+    <p:tnLst>
+      <p:par>
+        <p:cTn id="1" dur="indefinite" restart="never" nodeType="tmRoot"/>
+      </p:par>
+    </p:tnLst>
+  </p:timing>
+</p:sld>
+</file>
+
+<file path=ppt/slides/slide6.xml><?xml version="1.0" encoding="utf-8"?>
+<p:sld xmlns:a="http://schemas.openxmlformats.org/drawingml/2006/main" xmlns:r="http://schemas.openxmlformats.org/officeDocument/2006/relationships" xmlns:p="http://schemas.openxmlformats.org/presentationml/2006/main">
+  <p:cSld>
+    <p:spTree>
+      <p:nvGrpSpPr>
+        <p:cNvPr id="1" name=""/>
+        <p:cNvGrpSpPr/>
+        <p:nvPr/>
+      </p:nvGrpSpPr>
+      <p:grpSpPr>
+        <a:xfrm>
+          <a:off x="0" y="0"/>
+          <a:ext cx="0" cy="0"/>
+          <a:chOff x="0" y="0"/>
+          <a:chExt cx="0" cy="0"/>
+        </a:xfrm>
+      </p:grpSpPr>
+      <p:sp>
+        <p:nvSpPr>
+          <p:cNvPr id="2" name="Title 1"/>
+          <p:cNvSpPr>
+            <a:spLocks noGrp="1"/>
+          </p:cNvSpPr>
+          <p:nvPr>
+            <p:ph type="title"/>
+          </p:nvPr>
+        </p:nvSpPr>
+        <p:spPr>
+          <a:xfrm>
+            <a:off x="838200" y="685800"/>
+            <a:ext cx="8229600" cy="1143000"/>
+          </a:xfrm>
+        </p:spPr>
+        <p:txBody>
+          <a:bodyPr/>
+          <a:lstStyle/>
+          <a:p>
+            <a:pPr algn="l"/>
+            <a:r>
+              <a:rPr lang="bg-BG" dirty="0" smtClean="0">
+                <a:solidFill>
+                  <a:schemeClr val="accent6"/>
+                </a:solidFill>
+              </a:rPr>
+              <a:t>План-програма </a:t>
+            </a:r>
+            <a:r>
+              <a:rPr lang="bg-BG" dirty="0">
+                <a:solidFill>
+                  <a:schemeClr val="accent6"/>
+                </a:solidFill>
+              </a:rPr>
+              <a:t>на курса</a:t>
+            </a:r>
+          </a:p>
+        </p:txBody>
+      </p:sp>
+      <p:sp>
+        <p:nvSpPr>
+          <p:cNvPr id="3" name="Content Placeholder 2"/>
+          <p:cNvSpPr>
+            <a:spLocks noGrp="1"/>
+          </p:cNvSpPr>
+          <p:nvPr>
+            <p:ph idx="1"/>
+          </p:nvPr>
+        </p:nvSpPr>
+        <p:spPr>
+          <a:xfrm>
+            <a:off x="762000" y="1676400"/>
+            <a:ext cx="7620000" cy="4525963"/>
+          </a:xfrm>
+        </p:spPr>
+        <p:txBody>
+          <a:bodyPr>
+            <a:normAutofit fontScale="77500" lnSpcReduction="20000"/>
+          </a:bodyPr>
+          <a:lstStyle/>
+          <a:p>
+            <a:pPr marL="514350" indent="-514350">
+              <a:buFont typeface="+mj-lt"/>
+              <a:buAutoNum type="arabicPeriod"/>
+            </a:pPr>
+            <a:r>
+              <a:rPr lang="ru-RU" dirty="0" err="1">
+                <a:solidFill>
+                  <a:schemeClr val="bg1">
+                    <a:lumMod val="95000"/>
+                  </a:schemeClr>
+                </a:solidFill>
+              </a:rPr>
+              <a:t>Въведение</a:t>
+            </a:r>
+            <a:r>
+              <a:rPr lang="ru-RU" dirty="0">
+                <a:solidFill>
+                  <a:schemeClr val="bg1">
+                    <a:lumMod val="95000"/>
+                  </a:schemeClr>
+                </a:solidFill>
+              </a:rPr>
+              <a:t> в курса. </a:t>
+            </a:r>
+            <a:r>
+              <a:rPr lang="ru-RU" dirty="0" err="1">
+                <a:solidFill>
+                  <a:schemeClr val="bg1">
+                    <a:lumMod val="95000"/>
+                  </a:schemeClr>
+                </a:solidFill>
+              </a:rPr>
+              <a:t>Въведение</a:t>
+            </a:r>
+            <a:r>
+              <a:rPr lang="ru-RU" dirty="0">
+                <a:solidFill>
+                  <a:schemeClr val="bg1">
+                    <a:lumMod val="95000"/>
+                  </a:schemeClr>
+                </a:solidFill>
+              </a:rPr>
+              <a:t> в </a:t>
+            </a:r>
+            <a:r>
+              <a:rPr lang="ru-RU" dirty="0" err="1">
+                <a:solidFill>
+                  <a:schemeClr val="bg1">
+                    <a:lumMod val="95000"/>
+                  </a:schemeClr>
+                </a:solidFill>
+              </a:rPr>
+              <a:t>програмирането</a:t>
+            </a:r>
+            <a:r>
+              <a:rPr lang="ru-RU" dirty="0">
+                <a:solidFill>
+                  <a:schemeClr val="bg1">
+                    <a:lumMod val="95000"/>
+                  </a:schemeClr>
+                </a:solidFill>
+              </a:rPr>
+              <a:t>. </a:t>
+            </a:r>
+          </a:p>
+          <a:p>
+            <a:pPr marL="514350" indent="-514350">
+              <a:buFont typeface="+mj-lt"/>
+              <a:buAutoNum type="arabicPeriod"/>
+            </a:pPr>
+            <a:r>
+              <a:rPr lang="ru-RU" dirty="0" err="1">
+                <a:solidFill>
+                  <a:schemeClr val="bg1">
+                    <a:lumMod val="95000"/>
+                  </a:schemeClr>
+                </a:solidFill>
+              </a:rPr>
+              <a:t>Език</a:t>
+            </a:r>
+            <a:r>
+              <a:rPr lang="ru-RU" dirty="0">
+                <a:solidFill>
+                  <a:schemeClr val="bg1">
+                    <a:lumMod val="95000"/>
+                  </a:schemeClr>
+                </a:solidFill>
+              </a:rPr>
+              <a:t> за </a:t>
+            </a:r>
+            <a:r>
+              <a:rPr lang="ru-RU" dirty="0" err="1">
+                <a:solidFill>
+                  <a:schemeClr val="bg1">
+                    <a:lumMod val="95000"/>
+                  </a:schemeClr>
+                </a:solidFill>
+              </a:rPr>
+              <a:t>програмиране</a:t>
+            </a:r>
+            <a:r>
+              <a:rPr lang="ru-RU" dirty="0">
+                <a:solidFill>
+                  <a:schemeClr val="bg1">
+                    <a:lumMod val="95000"/>
+                  </a:schemeClr>
+                </a:solidFill>
+              </a:rPr>
+              <a:t> и </a:t>
+            </a:r>
+            <a:r>
+              <a:rPr lang="ru-RU" dirty="0" err="1">
+                <a:solidFill>
+                  <a:schemeClr val="bg1">
+                    <a:lumMod val="95000"/>
+                  </a:schemeClr>
+                </a:solidFill>
+              </a:rPr>
+              <a:t>основи</a:t>
+            </a:r>
+            <a:r>
+              <a:rPr lang="ru-RU" dirty="0">
+                <a:solidFill>
+                  <a:schemeClr val="bg1">
+                    <a:lumMod val="95000"/>
+                  </a:schemeClr>
+                </a:solidFill>
+              </a:rPr>
+              <a:t> на JAVA. </a:t>
+            </a:r>
+            <a:r>
+              <a:rPr lang="ru-RU" dirty="0" err="1">
+                <a:solidFill>
+                  <a:schemeClr val="bg1">
+                    <a:lumMod val="95000"/>
+                  </a:schemeClr>
+                </a:solidFill>
+              </a:rPr>
+              <a:t>Типове</a:t>
+            </a:r>
+            <a:r>
+              <a:rPr lang="ru-RU" dirty="0">
+                <a:solidFill>
+                  <a:schemeClr val="bg1">
+                    <a:lumMod val="95000"/>
+                  </a:schemeClr>
+                </a:solidFill>
+              </a:rPr>
+              <a:t> </a:t>
+            </a:r>
+            <a:r>
+              <a:rPr lang="ru-RU" dirty="0" err="1">
+                <a:solidFill>
+                  <a:schemeClr val="bg1">
+                    <a:lumMod val="95000"/>
+                  </a:schemeClr>
+                </a:solidFill>
+              </a:rPr>
+              <a:t>данни</a:t>
+            </a:r>
+            <a:r>
+              <a:rPr lang="ru-RU" dirty="0">
+                <a:solidFill>
+                  <a:schemeClr val="bg1">
+                    <a:lumMod val="95000"/>
+                  </a:schemeClr>
+                </a:solidFill>
+              </a:rPr>
+              <a:t>, </a:t>
+            </a:r>
+            <a:r>
+              <a:rPr lang="ru-RU" dirty="0" err="1">
+                <a:solidFill>
+                  <a:schemeClr val="bg1">
+                    <a:lumMod val="95000"/>
+                  </a:schemeClr>
+                </a:solidFill>
+              </a:rPr>
+              <a:t>променливи</a:t>
+            </a:r>
+            <a:r>
+              <a:rPr lang="ru-RU" dirty="0">
+                <a:solidFill>
+                  <a:schemeClr val="bg1">
+                    <a:lumMod val="95000"/>
+                  </a:schemeClr>
+                </a:solidFill>
+              </a:rPr>
+              <a:t> и </a:t>
+            </a:r>
+            <a:r>
+              <a:rPr lang="ru-RU" dirty="0" err="1">
+                <a:solidFill>
+                  <a:schemeClr val="bg1">
+                    <a:lumMod val="95000"/>
+                  </a:schemeClr>
+                </a:solidFill>
+              </a:rPr>
+              <a:t>оператори</a:t>
+            </a:r>
+            <a:endParaRPr lang="ru-RU" dirty="0">
+              <a:solidFill>
+                <a:schemeClr val="bg1">
+                  <a:lumMod val="95000"/>
+                </a:schemeClr>
+              </a:solidFill>
+            </a:endParaRPr>
+          </a:p>
+          <a:p>
+            <a:pPr marL="514350" indent="-514350">
+              <a:buFont typeface="+mj-lt"/>
+              <a:buAutoNum type="arabicPeriod"/>
+            </a:pPr>
+            <a:r>
+              <a:rPr lang="ru-RU" dirty="0" err="1">
+                <a:solidFill>
+                  <a:schemeClr val="bg1">
+                    <a:lumMod val="95000"/>
+                  </a:schemeClr>
+                </a:solidFill>
+              </a:rPr>
+              <a:t>Условни</a:t>
+            </a:r>
+            <a:r>
+              <a:rPr lang="ru-RU" dirty="0">
+                <a:solidFill>
+                  <a:schemeClr val="bg1">
+                    <a:lumMod val="95000"/>
+                  </a:schemeClr>
+                </a:solidFill>
+              </a:rPr>
+              <a:t> конструкции и цикли</a:t>
+            </a:r>
+          </a:p>
+          <a:p>
+            <a:pPr marL="514350" indent="-514350">
+              <a:buFont typeface="+mj-lt"/>
+              <a:buAutoNum type="arabicPeriod"/>
+            </a:pPr>
+            <a:r>
+              <a:rPr lang="ru-RU" dirty="0" err="1">
+                <a:solidFill>
+                  <a:schemeClr val="bg1">
+                    <a:lumMod val="95000"/>
+                  </a:schemeClr>
+                </a:solidFill>
+              </a:rPr>
+              <a:t>Масиви</a:t>
+            </a:r>
+            <a:endParaRPr lang="ru-RU" dirty="0">
+              <a:solidFill>
+                <a:schemeClr val="bg1">
+                  <a:lumMod val="95000"/>
+                </a:schemeClr>
+              </a:solidFill>
+            </a:endParaRPr>
+          </a:p>
+          <a:p>
+            <a:pPr marL="514350" indent="-514350">
+              <a:buFont typeface="+mj-lt"/>
+              <a:buAutoNum type="arabicPeriod"/>
+            </a:pPr>
+            <a:r>
+              <a:rPr lang="ru-RU" dirty="0" err="1">
+                <a:solidFill>
+                  <a:schemeClr val="bg1">
+                    <a:lumMod val="95000"/>
+                  </a:schemeClr>
+                </a:solidFill>
+              </a:rPr>
+              <a:t>Методи</a:t>
+            </a:r>
+            <a:r>
+              <a:rPr lang="ru-RU" dirty="0">
+                <a:solidFill>
+                  <a:schemeClr val="bg1">
+                    <a:lumMod val="95000"/>
+                  </a:schemeClr>
+                </a:solidFill>
+              </a:rPr>
+              <a:t> и рекурсия</a:t>
+            </a:r>
+          </a:p>
+          <a:p>
+            <a:pPr marL="514350" indent="-514350">
+              <a:buFont typeface="+mj-lt"/>
+              <a:buAutoNum type="arabicPeriod"/>
+            </a:pPr>
+            <a:r>
+              <a:rPr lang="ru-RU" dirty="0" err="1">
+                <a:solidFill>
+                  <a:schemeClr val="bg1">
+                    <a:lumMod val="95000"/>
+                  </a:schemeClr>
+                </a:solidFill>
+              </a:rPr>
+              <a:t>Класове</a:t>
+            </a:r>
+            <a:r>
+              <a:rPr lang="ru-RU" dirty="0">
+                <a:solidFill>
+                  <a:schemeClr val="bg1">
+                    <a:lumMod val="95000"/>
+                  </a:schemeClr>
+                </a:solidFill>
+              </a:rPr>
+              <a:t> и </a:t>
+            </a:r>
+            <a:r>
+              <a:rPr lang="ru-RU" dirty="0" err="1">
+                <a:solidFill>
+                  <a:schemeClr val="bg1">
+                    <a:lumMod val="95000"/>
+                  </a:schemeClr>
+                </a:solidFill>
+              </a:rPr>
+              <a:t>обекти</a:t>
+            </a:r>
+            <a:endParaRPr lang="ru-RU" dirty="0">
+              <a:solidFill>
+                <a:schemeClr val="bg1">
+                  <a:lumMod val="95000"/>
+                </a:schemeClr>
+              </a:solidFill>
+            </a:endParaRPr>
+          </a:p>
+          <a:p>
+            <a:pPr marL="514350" indent="-514350">
+              <a:buFont typeface="+mj-lt"/>
+              <a:buAutoNum type="arabicPeriod"/>
+            </a:pPr>
+            <a:r>
+              <a:rPr lang="ru-RU" dirty="0" err="1">
+                <a:solidFill>
+                  <a:schemeClr val="bg1">
+                    <a:lumMod val="95000"/>
+                  </a:schemeClr>
+                </a:solidFill>
+              </a:rPr>
+              <a:t>Обектно</a:t>
+            </a:r>
+            <a:r>
+              <a:rPr lang="ru-RU" dirty="0">
+                <a:solidFill>
+                  <a:schemeClr val="bg1">
+                    <a:lumMod val="95000"/>
+                  </a:schemeClr>
+                </a:solidFill>
+              </a:rPr>
+              <a:t> </a:t>
+            </a:r>
+            <a:r>
+              <a:rPr lang="ru-RU" dirty="0" err="1">
+                <a:solidFill>
+                  <a:schemeClr val="bg1">
+                    <a:lumMod val="95000"/>
+                  </a:schemeClr>
+                </a:solidFill>
+              </a:rPr>
+              <a:t>ориентирано</a:t>
+            </a:r>
+            <a:r>
+              <a:rPr lang="ru-RU" dirty="0">
+                <a:solidFill>
+                  <a:schemeClr val="bg1">
+                    <a:lumMod val="95000"/>
+                  </a:schemeClr>
+                </a:solidFill>
+              </a:rPr>
+              <a:t> </a:t>
+            </a:r>
+            <a:r>
+              <a:rPr lang="ru-RU" dirty="0" err="1">
+                <a:solidFill>
+                  <a:schemeClr val="bg1">
+                    <a:lumMod val="95000"/>
+                  </a:schemeClr>
+                </a:solidFill>
+              </a:rPr>
+              <a:t>програмиране</a:t>
+            </a:r>
+            <a:endParaRPr lang="ru-RU" dirty="0">
+              <a:solidFill>
+                <a:schemeClr val="bg1">
+                  <a:lumMod val="95000"/>
+                </a:schemeClr>
+              </a:solidFill>
+            </a:endParaRPr>
+          </a:p>
+          <a:p>
+            <a:pPr marL="514350" indent="-514350">
+              <a:buFont typeface="+mj-lt"/>
+              <a:buAutoNum type="arabicPeriod"/>
+            </a:pPr>
+            <a:r>
+              <a:rPr lang="ru-RU" dirty="0">
+                <a:solidFill>
+                  <a:schemeClr val="bg1">
+                    <a:lumMod val="95000"/>
+                  </a:schemeClr>
+                </a:solidFill>
+              </a:rPr>
+              <a:t>Обработка на грешки и </a:t>
+            </a:r>
+            <a:r>
+              <a:rPr lang="ru-RU" dirty="0" err="1">
+                <a:solidFill>
+                  <a:schemeClr val="bg1">
+                    <a:lumMod val="95000"/>
+                  </a:schemeClr>
+                </a:solidFill>
+              </a:rPr>
+              <a:t>изключения</a:t>
+            </a:r>
+            <a:endParaRPr lang="ru-RU" dirty="0">
+              <a:solidFill>
+                <a:schemeClr val="bg1">
+                  <a:lumMod val="95000"/>
+                </a:schemeClr>
+              </a:solidFill>
+            </a:endParaRPr>
+          </a:p>
+          <a:p>
+            <a:pPr marL="514350" indent="-514350">
+              <a:buFont typeface="+mj-lt"/>
+              <a:buAutoNum type="arabicPeriod"/>
+            </a:pPr>
+            <a:r>
+              <a:rPr lang="ru-RU" dirty="0" err="1">
+                <a:solidFill>
+                  <a:schemeClr val="bg1">
+                    <a:lumMod val="95000"/>
+                  </a:schemeClr>
+                </a:solidFill>
+              </a:rPr>
+              <a:t>Стрингове</a:t>
+            </a:r>
+            <a:r>
+              <a:rPr lang="ru-RU" dirty="0">
+                <a:solidFill>
+                  <a:schemeClr val="bg1">
+                    <a:lumMod val="95000"/>
+                  </a:schemeClr>
+                </a:solidFill>
+              </a:rPr>
+              <a:t> и обработка на текст</a:t>
+            </a:r>
+          </a:p>
+          <a:p>
+            <a:pPr marL="514350" indent="-514350">
+              <a:buFont typeface="+mj-lt"/>
+              <a:buAutoNum type="arabicPeriod"/>
+            </a:pPr>
+            <a:r>
+              <a:rPr lang="ru-RU" dirty="0" err="1">
+                <a:solidFill>
+                  <a:schemeClr val="bg1">
+                    <a:lumMod val="95000"/>
+                  </a:schemeClr>
+                </a:solidFill>
+              </a:rPr>
+              <a:t>Структури</a:t>
+            </a:r>
+            <a:r>
+              <a:rPr lang="ru-RU" dirty="0">
+                <a:solidFill>
+                  <a:schemeClr val="bg1">
+                    <a:lumMod val="95000"/>
+                  </a:schemeClr>
+                </a:solidFill>
+              </a:rPr>
+              <a:t> от </a:t>
+            </a:r>
+            <a:r>
+              <a:rPr lang="ru-RU" dirty="0" err="1">
+                <a:solidFill>
+                  <a:schemeClr val="bg1">
+                    <a:lumMod val="95000"/>
+                  </a:schemeClr>
+                </a:solidFill>
+              </a:rPr>
+              <a:t>данни</a:t>
+            </a:r>
+            <a:r>
+              <a:rPr lang="ru-RU" dirty="0">
+                <a:solidFill>
+                  <a:schemeClr val="bg1">
+                    <a:lumMod val="95000"/>
+                  </a:schemeClr>
+                </a:solidFill>
+              </a:rPr>
+              <a:t> и </a:t>
+            </a:r>
+            <a:r>
+              <a:rPr lang="ru-RU" dirty="0" err="1">
+                <a:solidFill>
+                  <a:schemeClr val="bg1">
+                    <a:lumMod val="95000"/>
+                  </a:schemeClr>
+                </a:solidFill>
+              </a:rPr>
+              <a:t>колекции</a:t>
+            </a:r>
+            <a:r>
+              <a:rPr lang="ru-RU" dirty="0">
+                <a:solidFill>
+                  <a:schemeClr val="bg1">
+                    <a:lumMod val="95000"/>
+                  </a:schemeClr>
+                </a:solidFill>
+              </a:rPr>
+              <a:t> (лист, сет, речник</a:t>
+            </a:r>
+            <a:r>
+              <a:rPr lang="ru-RU" dirty="0" smtClean="0">
+                <a:solidFill>
+                  <a:schemeClr val="bg1">
+                    <a:lumMod val="95000"/>
+                  </a:schemeClr>
+                </a:solidFill>
+              </a:rPr>
+              <a:t>)</a:t>
+            </a:r>
+            <a:endParaRPr lang="ru-RU" dirty="0">
+              <a:solidFill>
+                <a:schemeClr val="bg1">
+                  <a:lumMod val="95000"/>
+                </a:schemeClr>
+              </a:solidFill>
+            </a:endParaRPr>
+          </a:p>
+        </p:txBody>
+      </p:sp>
+    </p:spTree>
+    <p:extLst>
+      <p:ext uri="{BB962C8B-B14F-4D97-AF65-F5344CB8AC3E}">
+        <p14:creationId xmlns:p14="http://schemas.microsoft.com/office/powerpoint/2010/main" val="1641945902"/>
+      </p:ext>
+    </p:extLst>
+  </p:cSld>
+  <p:clrMapOvr>
+    <a:masterClrMapping/>
+  </p:clrMapOvr>
+  <p:timing>
+    <p:tnLst>
+      <p:par>
+        <p:cTn id="1" dur="indefinite" restart="never" nodeType="tmRoot"/>
+      </p:par>
+    </p:tnLst>
+  </p:timing>
+</p:sld>
+</file>
+
+<file path=ppt/slides/slide7.xml><?xml version="1.0" encoding="utf-8"?>
+<p:sld xmlns:a="http://schemas.openxmlformats.org/drawingml/2006/main" xmlns:r="http://schemas.openxmlformats.org/officeDocument/2006/relationships" xmlns:p="http://schemas.openxmlformats.org/presentationml/2006/main">
+  <p:cSld>
+    <p:spTree>
+      <p:nvGrpSpPr>
+        <p:cNvPr id="1" name=""/>
+        <p:cNvGrpSpPr/>
+        <p:nvPr/>
+      </p:nvGrpSpPr>
+      <p:grpSpPr>
+        <a:xfrm>
+          <a:off x="0" y="0"/>
+          <a:ext cx="0" cy="0"/>
+          <a:chOff x="0" y="0"/>
+          <a:chExt cx="0" cy="0"/>
+        </a:xfrm>
+      </p:grpSpPr>
+      <p:sp>
+        <p:nvSpPr>
+          <p:cNvPr id="2" name="Title 1"/>
+          <p:cNvSpPr>
+            <a:spLocks noGrp="1"/>
+          </p:cNvSpPr>
+          <p:nvPr>
+            <p:ph type="title"/>
+          </p:nvPr>
+        </p:nvSpPr>
+        <p:spPr>
+          <a:xfrm>
+            <a:off x="838200" y="685800"/>
+            <a:ext cx="8229600" cy="1143000"/>
+          </a:xfrm>
+        </p:spPr>
+        <p:txBody>
+          <a:bodyPr/>
+          <a:lstStyle/>
+          <a:p>
+            <a:pPr algn="l"/>
+            <a:r>
+              <a:rPr lang="bg-BG" dirty="0" smtClean="0">
+                <a:solidFill>
+                  <a:schemeClr val="accent6"/>
+                </a:solidFill>
+              </a:rPr>
+              <a:t>План-програма </a:t>
+            </a:r>
+            <a:r>
+              <a:rPr lang="bg-BG" dirty="0">
+                <a:solidFill>
+                  <a:schemeClr val="accent6"/>
+                </a:solidFill>
+              </a:rPr>
+              <a:t>на курса</a:t>
+            </a:r>
+          </a:p>
+        </p:txBody>
+      </p:sp>
+      <p:sp>
+        <p:nvSpPr>
+          <p:cNvPr id="3" name="Content Placeholder 2"/>
+          <p:cNvSpPr>
+            <a:spLocks noGrp="1"/>
+          </p:cNvSpPr>
+          <p:nvPr>
+            <p:ph idx="1"/>
+          </p:nvPr>
+        </p:nvSpPr>
+        <p:spPr>
+          <a:xfrm>
+            <a:off x="762000" y="1676400"/>
+            <a:ext cx="7620000" cy="4525963"/>
+          </a:xfrm>
+        </p:spPr>
+        <p:txBody>
+          <a:bodyPr>
+            <a:normAutofit fontScale="85000" lnSpcReduction="10000"/>
+          </a:bodyPr>
+          <a:lstStyle/>
+          <a:p>
+            <a:pPr marL="514350" indent="-514350">
+              <a:buFont typeface="+mj-lt"/>
+              <a:buAutoNum type="arabicPeriod" startAt="11"/>
+            </a:pPr>
+            <a:r>
+              <a:rPr lang="ru-RU" dirty="0" err="1" smtClean="0">
+                <a:solidFill>
+                  <a:schemeClr val="bg1">
+                    <a:lumMod val="95000"/>
+                  </a:schemeClr>
+                </a:solidFill>
+              </a:rPr>
+              <a:t>Структури</a:t>
+            </a:r>
+            <a:r>
+              <a:rPr lang="ru-RU" dirty="0" smtClean="0">
+                <a:solidFill>
+                  <a:schemeClr val="bg1">
+                    <a:lumMod val="95000"/>
+                  </a:schemeClr>
+                </a:solidFill>
+              </a:rPr>
+              <a:t> </a:t>
+            </a:r>
+            <a:r>
+              <a:rPr lang="ru-RU" dirty="0">
+                <a:solidFill>
+                  <a:schemeClr val="bg1">
+                    <a:lumMod val="95000"/>
+                  </a:schemeClr>
+                </a:solidFill>
+              </a:rPr>
+              <a:t>от </a:t>
+            </a:r>
+            <a:r>
+              <a:rPr lang="ru-RU" dirty="0" err="1">
+                <a:solidFill>
+                  <a:schemeClr val="bg1">
+                    <a:lumMod val="95000"/>
+                  </a:schemeClr>
+                </a:solidFill>
+              </a:rPr>
+              <a:t>данни</a:t>
+            </a:r>
+            <a:r>
+              <a:rPr lang="ru-RU" dirty="0">
+                <a:solidFill>
+                  <a:schemeClr val="bg1">
+                    <a:lumMod val="95000"/>
+                  </a:schemeClr>
+                </a:solidFill>
+              </a:rPr>
+              <a:t> и </a:t>
+            </a:r>
+            <a:r>
+              <a:rPr lang="ru-RU" dirty="0" err="1">
+                <a:solidFill>
+                  <a:schemeClr val="bg1">
+                    <a:lumMod val="95000"/>
+                  </a:schemeClr>
+                </a:solidFill>
+              </a:rPr>
+              <a:t>колекции</a:t>
+            </a:r>
+            <a:r>
+              <a:rPr lang="ru-RU" dirty="0">
+                <a:solidFill>
+                  <a:schemeClr val="bg1">
+                    <a:lumMod val="95000"/>
+                  </a:schemeClr>
+                </a:solidFill>
+              </a:rPr>
+              <a:t> (стек, опашка). </a:t>
+            </a:r>
+            <a:r>
+              <a:rPr lang="ru-RU" dirty="0" err="1">
+                <a:solidFill>
+                  <a:schemeClr val="bg1">
+                    <a:lumMod val="95000"/>
+                  </a:schemeClr>
+                </a:solidFill>
+              </a:rPr>
+              <a:t>Дървета</a:t>
+            </a:r>
+            <a:r>
+              <a:rPr lang="ru-RU" dirty="0">
+                <a:solidFill>
+                  <a:schemeClr val="bg1">
+                    <a:lumMod val="95000"/>
+                  </a:schemeClr>
+                </a:solidFill>
+              </a:rPr>
+              <a:t> и графи</a:t>
+            </a:r>
+          </a:p>
+          <a:p>
+            <a:pPr marL="514350" indent="-514350">
+              <a:buFont typeface="+mj-lt"/>
+              <a:buAutoNum type="arabicPeriod" startAt="11"/>
+            </a:pPr>
+            <a:r>
+              <a:rPr lang="ru-RU" dirty="0" err="1">
+                <a:solidFill>
+                  <a:schemeClr val="bg1">
+                    <a:lumMod val="95000"/>
+                  </a:schemeClr>
+                </a:solidFill>
+              </a:rPr>
+              <a:t>Шаблони</a:t>
+            </a:r>
+            <a:r>
+              <a:rPr lang="ru-RU" dirty="0">
+                <a:solidFill>
+                  <a:schemeClr val="bg1">
+                    <a:lumMod val="95000"/>
+                  </a:schemeClr>
+                </a:solidFill>
+              </a:rPr>
+              <a:t> за дизайн. </a:t>
+            </a:r>
+            <a:r>
+              <a:rPr lang="ru-RU" dirty="0" err="1">
+                <a:solidFill>
+                  <a:schemeClr val="bg1">
+                    <a:lumMod val="95000"/>
+                  </a:schemeClr>
+                </a:solidFill>
+              </a:rPr>
+              <a:t>Основи</a:t>
+            </a:r>
+            <a:r>
+              <a:rPr lang="ru-RU" dirty="0">
+                <a:solidFill>
+                  <a:schemeClr val="bg1">
+                    <a:lumMod val="95000"/>
+                  </a:schemeClr>
+                </a:solidFill>
+              </a:rPr>
+              <a:t> на </a:t>
+            </a:r>
+            <a:r>
+              <a:rPr lang="ru-RU" dirty="0" err="1">
+                <a:solidFill>
+                  <a:schemeClr val="bg1">
+                    <a:lumMod val="95000"/>
+                  </a:schemeClr>
+                </a:solidFill>
+              </a:rPr>
+              <a:t>алгоритмите</a:t>
+            </a:r>
+            <a:endParaRPr lang="ru-RU" dirty="0">
+              <a:solidFill>
+                <a:schemeClr val="bg1">
+                  <a:lumMod val="95000"/>
+                </a:schemeClr>
+              </a:solidFill>
+            </a:endParaRPr>
+          </a:p>
+          <a:p>
+            <a:pPr marL="514350" indent="-514350">
+              <a:buFont typeface="+mj-lt"/>
+              <a:buAutoNum type="arabicPeriod" startAt="11"/>
+            </a:pPr>
+            <a:r>
+              <a:rPr lang="ru-RU" dirty="0" err="1">
+                <a:solidFill>
+                  <a:schemeClr val="bg1">
+                    <a:lumMod val="95000"/>
+                  </a:schemeClr>
+                </a:solidFill>
+              </a:rPr>
+              <a:t>Многонишково</a:t>
+            </a:r>
+            <a:r>
+              <a:rPr lang="ru-RU" dirty="0">
+                <a:solidFill>
+                  <a:schemeClr val="bg1">
+                    <a:lumMod val="95000"/>
+                  </a:schemeClr>
+                </a:solidFill>
+              </a:rPr>
+              <a:t> </a:t>
+            </a:r>
+            <a:r>
+              <a:rPr lang="ru-RU" dirty="0" err="1">
+                <a:solidFill>
+                  <a:schemeClr val="bg1">
+                    <a:lumMod val="95000"/>
+                  </a:schemeClr>
+                </a:solidFill>
+              </a:rPr>
+              <a:t>програмиране</a:t>
+            </a:r>
+            <a:endParaRPr lang="ru-RU" dirty="0">
+              <a:solidFill>
+                <a:schemeClr val="bg1">
+                  <a:lumMod val="95000"/>
+                </a:schemeClr>
+              </a:solidFill>
+            </a:endParaRPr>
+          </a:p>
+          <a:p>
+            <a:pPr marL="514350" indent="-514350">
+              <a:buFont typeface="+mj-lt"/>
+              <a:buAutoNum type="arabicPeriod" startAt="11"/>
+            </a:pPr>
+            <a:r>
+              <a:rPr lang="ru-RU" dirty="0">
+                <a:solidFill>
+                  <a:schemeClr val="bg1">
+                    <a:lumMod val="95000"/>
+                  </a:schemeClr>
+                </a:solidFill>
+              </a:rPr>
+              <a:t>Качествен </a:t>
+            </a:r>
+            <a:r>
+              <a:rPr lang="ru-RU" dirty="0" err="1">
+                <a:solidFill>
+                  <a:schemeClr val="bg1">
+                    <a:lumMod val="95000"/>
+                  </a:schemeClr>
+                </a:solidFill>
+              </a:rPr>
+              <a:t>програмен</a:t>
+            </a:r>
+            <a:r>
+              <a:rPr lang="ru-RU" dirty="0">
+                <a:solidFill>
+                  <a:schemeClr val="bg1">
+                    <a:lumMod val="95000"/>
+                  </a:schemeClr>
+                </a:solidFill>
+              </a:rPr>
+              <a:t> код</a:t>
+            </a:r>
+          </a:p>
+          <a:p>
+            <a:pPr marL="514350" indent="-514350">
+              <a:buFont typeface="+mj-lt"/>
+              <a:buAutoNum type="arabicPeriod" startAt="11"/>
+            </a:pPr>
+            <a:r>
+              <a:rPr lang="ru-RU" dirty="0" err="1">
+                <a:solidFill>
+                  <a:schemeClr val="bg1">
+                    <a:lumMod val="95000"/>
+                  </a:schemeClr>
+                </a:solidFill>
+              </a:rPr>
+              <a:t>Изграждане</a:t>
+            </a:r>
+            <a:r>
+              <a:rPr lang="ru-RU" dirty="0">
+                <a:solidFill>
+                  <a:schemeClr val="bg1">
+                    <a:lumMod val="95000"/>
+                  </a:schemeClr>
+                </a:solidFill>
+              </a:rPr>
+              <a:t> на практически проект</a:t>
+            </a:r>
+          </a:p>
+          <a:p>
+            <a:pPr marL="514350" indent="-514350">
+              <a:buFont typeface="+mj-lt"/>
+              <a:buAutoNum type="arabicPeriod" startAt="11"/>
+            </a:pPr>
+            <a:r>
+              <a:rPr lang="ru-RU" dirty="0">
+                <a:solidFill>
+                  <a:schemeClr val="bg1">
+                    <a:lumMod val="95000"/>
+                  </a:schemeClr>
+                </a:solidFill>
+              </a:rPr>
+              <a:t>Работа в </a:t>
+            </a:r>
+            <a:r>
+              <a:rPr lang="ru-RU" dirty="0" err="1">
+                <a:solidFill>
+                  <a:schemeClr val="bg1">
+                    <a:lumMod val="95000"/>
+                  </a:schemeClr>
+                </a:solidFill>
+              </a:rPr>
+              <a:t>екип</a:t>
+            </a:r>
+            <a:r>
+              <a:rPr lang="ru-RU" dirty="0">
+                <a:solidFill>
+                  <a:schemeClr val="bg1">
+                    <a:lumMod val="95000"/>
+                  </a:schemeClr>
+                </a:solidFill>
+              </a:rPr>
+              <a:t> и </a:t>
+            </a:r>
+            <a:r>
+              <a:rPr lang="ru-RU" dirty="0" err="1">
+                <a:solidFill>
+                  <a:schemeClr val="bg1">
+                    <a:lumMod val="95000"/>
+                  </a:schemeClr>
+                </a:solidFill>
+              </a:rPr>
+              <a:t>създаване</a:t>
+            </a:r>
+            <a:r>
+              <a:rPr lang="ru-RU" dirty="0">
+                <a:solidFill>
+                  <a:schemeClr val="bg1">
+                    <a:lumMod val="95000"/>
+                  </a:schemeClr>
+                </a:solidFill>
+              </a:rPr>
+              <a:t> на </a:t>
+            </a:r>
+            <a:r>
+              <a:rPr lang="ru-RU" dirty="0" err="1">
+                <a:solidFill>
+                  <a:schemeClr val="bg1">
+                    <a:lumMod val="95000"/>
+                  </a:schemeClr>
+                </a:solidFill>
+              </a:rPr>
+              <a:t>съвместен</a:t>
+            </a:r>
+            <a:r>
+              <a:rPr lang="ru-RU" dirty="0">
+                <a:solidFill>
+                  <a:schemeClr val="bg1">
+                    <a:lumMod val="95000"/>
+                  </a:schemeClr>
+                </a:solidFill>
+              </a:rPr>
+              <a:t> проект</a:t>
+            </a:r>
+          </a:p>
+          <a:p>
+            <a:pPr marL="514350" indent="-514350">
+              <a:buFont typeface="+mj-lt"/>
+              <a:buAutoNum type="arabicPeriod" startAt="11"/>
+            </a:pPr>
+            <a:r>
+              <a:rPr lang="ru-RU" dirty="0" err="1">
+                <a:solidFill>
+                  <a:schemeClr val="bg1">
+                    <a:lumMod val="95000"/>
+                  </a:schemeClr>
+                </a:solidFill>
+              </a:rPr>
+              <a:t>Преговор</a:t>
+            </a:r>
+            <a:r>
+              <a:rPr lang="ru-RU" dirty="0">
+                <a:solidFill>
+                  <a:schemeClr val="bg1">
+                    <a:lumMod val="95000"/>
+                  </a:schemeClr>
+                </a:solidFill>
+              </a:rPr>
+              <a:t> и подготовка за </a:t>
+            </a:r>
+            <a:r>
+              <a:rPr lang="ru-RU" dirty="0" err="1">
+                <a:solidFill>
+                  <a:schemeClr val="bg1">
+                    <a:lumMod val="95000"/>
+                  </a:schemeClr>
+                </a:solidFill>
+              </a:rPr>
+              <a:t>изпит</a:t>
+            </a:r>
+            <a:endParaRPr lang="ru-RU" dirty="0">
+              <a:solidFill>
+                <a:schemeClr val="bg1">
+                  <a:lumMod val="95000"/>
+                </a:schemeClr>
+              </a:solidFill>
+            </a:endParaRPr>
+          </a:p>
+          <a:p>
+            <a:pPr marL="514350" indent="-514350">
+              <a:buFont typeface="+mj-lt"/>
+              <a:buAutoNum type="arabicPeriod" startAt="11"/>
+            </a:pPr>
+            <a:r>
+              <a:rPr lang="ru-RU" dirty="0" err="1">
+                <a:solidFill>
+                  <a:schemeClr val="bg1">
+                    <a:lumMod val="95000"/>
+                  </a:schemeClr>
+                </a:solidFill>
+              </a:rPr>
+              <a:t>Изпит</a:t>
+            </a:r>
+            <a:endParaRPr lang="en-US" dirty="0"/>
+          </a:p>
+        </p:txBody>
+      </p:sp>
+    </p:spTree>
+    <p:extLst>
+      <p:ext uri="{BB962C8B-B14F-4D97-AF65-F5344CB8AC3E}">
+        <p14:creationId xmlns:p14="http://schemas.microsoft.com/office/powerpoint/2010/main" val="4261143925"/>
+      </p:ext>
+    </p:extLst>
+  </p:cSld>
+  <p:clrMapOvr>
+    <a:masterClrMapping/>
+  </p:clrMapOvr>
+  <p:timing>
+    <p:tnLst>
+      <p:par>
+        <p:cTn id="1" dur="indefinite" restart="never" nodeType="tmRoot"/>
+      </p:par>
+    </p:tnLst>
+  </p:timing>
+</p:sld>
+</file>
+
+<file path=ppt/slides/slide8.xml><?xml version="1.0" encoding="utf-8"?>
+<p:sld xmlns:a="http://schemas.openxmlformats.org/drawingml/2006/main" xmlns:r="http://schemas.openxmlformats.org/officeDocument/2006/relationships" xmlns:p="http://schemas.openxmlformats.org/presentationml/2006/main">
+  <p:cSld>
+    <p:spTree>
+      <p:nvGrpSpPr>
+        <p:cNvPr id="1" name=""/>
+        <p:cNvGrpSpPr/>
+        <p:nvPr/>
+      </p:nvGrpSpPr>
+      <p:grpSpPr>
+        <a:xfrm>
+          <a:off x="0" y="0"/>
+          <a:ext cx="0" cy="0"/>
+          <a:chOff x="0" y="0"/>
+          <a:chExt cx="0" cy="0"/>
+        </a:xfrm>
+      </p:grpSpPr>
+      <p:sp>
+        <p:nvSpPr>
+          <p:cNvPr id="2" name="Title 1"/>
+          <p:cNvSpPr>
+            <a:spLocks noGrp="1"/>
+          </p:cNvSpPr>
+          <p:nvPr>
+            <p:ph type="title"/>
+          </p:nvPr>
+        </p:nvSpPr>
+        <p:spPr>
+          <a:xfrm>
+            <a:off x="838200" y="685800"/>
+            <a:ext cx="8229600" cy="1143000"/>
+          </a:xfrm>
+        </p:spPr>
+        <p:txBody>
+          <a:bodyPr/>
+          <a:lstStyle/>
+          <a:p>
+            <a:pPr algn="l"/>
+            <a:r>
+              <a:rPr lang="bg-BG" dirty="0">
+                <a:solidFill>
+                  <a:schemeClr val="accent6"/>
+                </a:solidFill>
+              </a:rPr>
+              <a:t>За лектора</a:t>
+            </a:r>
+          </a:p>
+        </p:txBody>
+      </p:sp>
+      <p:sp>
+        <p:nvSpPr>
+          <p:cNvPr id="3" name="Content Placeholder 2"/>
+          <p:cNvSpPr>
+            <a:spLocks noGrp="1"/>
+          </p:cNvSpPr>
+          <p:nvPr>
+            <p:ph idx="1"/>
+          </p:nvPr>
+        </p:nvSpPr>
+        <p:spPr>
+          <a:xfrm>
+            <a:off x="762000" y="1676400"/>
+            <a:ext cx="7620000" cy="4876800"/>
           </a:xfrm>
         </p:spPr>
         <p:txBody>
@@ -4248,6 +5413,65 @@
               </a:rPr>
               <a:t>com</a:t>
             </a:r>
+            <a:endParaRPr lang="bg-BG" dirty="0" smtClean="0">
+              <a:solidFill>
+                <a:schemeClr val="bg1">
+                  <a:lumMod val="95000"/>
+                </a:schemeClr>
+              </a:solidFill>
+            </a:endParaRPr>
+          </a:p>
+          <a:p>
+            <a:pPr marL="0" indent="0">
+              <a:buNone/>
+            </a:pPr>
+            <a:r>
+              <a:rPr lang="en-US" dirty="0" err="1">
+                <a:solidFill>
+                  <a:schemeClr val="bg1">
+                    <a:lumMod val="95000"/>
+                  </a:schemeClr>
+                </a:solidFill>
+              </a:rPr>
+              <a:t>sestrimski</a:t>
+            </a:r>
+            <a:r>
+              <a:rPr lang="en-US" dirty="0">
+                <a:solidFill>
+                  <a:schemeClr val="bg1">
+                    <a:lumMod val="95000"/>
+                  </a:schemeClr>
+                </a:solidFill>
+              </a:rPr>
+              <a:t> [at] </a:t>
+            </a:r>
+            <a:r>
+              <a:rPr lang="en-US" dirty="0" smtClean="0">
+                <a:solidFill>
+                  <a:schemeClr val="bg1">
+                    <a:lumMod val="95000"/>
+                  </a:schemeClr>
+                </a:solidFill>
+              </a:rPr>
+              <a:t>soft-intellect [dot</a:t>
+            </a:r>
+            <a:r>
+              <a:rPr lang="en-US" dirty="0">
+                <a:solidFill>
+                  <a:schemeClr val="bg1">
+                    <a:lumMod val="95000"/>
+                  </a:schemeClr>
+                </a:solidFill>
+              </a:rPr>
+              <a:t>] com</a:t>
+            </a:r>
+            <a:endParaRPr lang="en-US" dirty="0" smtClean="0">
+              <a:solidFill>
+                <a:schemeClr val="bg1">
+                  <a:lumMod val="95000"/>
+                </a:schemeClr>
+              </a:solidFill>
+            </a:endParaRPr>
           </a:p>
           <a:p>
             <a:pPr>
@@ -4345,7 +5569,7 @@
 </p:sld>
 </file>
 
-<file path=ppt/slides/slide6.xml><?xml version="1.0" encoding="utf-8"?>
+<file path=ppt/slides/slide9.xml><?xml version="1.0" encoding="utf-8"?>
 <p:sld xmlns:a="http://schemas.openxmlformats.org/drawingml/2006/main" xmlns:r="http://schemas.openxmlformats.org/officeDocument/2006/relationships" xmlns:p="http://schemas.openxmlformats.org/presentationml/2006/main">
   <p:cSld>
     <p:spTree>
@@ -4647,6 +5871,13 @@
   <p:clrMapOvr>
     <a:masterClrMapping/>
   </p:clrMapOvr>
+  <p:timing>
+    <p:tnLst>
+      <p:par>
+        <p:cTn id="1" dur="indefinite" restart="never" nodeType="tmRoot"/>
+      </p:par>
+    </p:tnLst>
+  </p:timing>
 </p:sld>
 </file>
 

--- a/01-Introduction-into-Course.pptx
+++ b/01-Introduction-into-Course.pptx
@@ -14,6 +14,7 @@
     <p:sldId id="263" r:id="rId8"/>
     <p:sldId id="260" r:id="rId9"/>
     <p:sldId id="261" r:id="rId10"/>
+    <p:sldId id="265" r:id="rId11"/>
   </p:sldIdLst>
   <p:sldSz cx="9144000" cy="6858000" type="screen4x3"/>
   <p:notesSz cx="6858000" cy="9144000"/>
@@ -312,7 +313,7 @@
           <a:p>
             <a:fld id="{3EA744D9-3FBE-48D8-BF2A-85DF203E4D20}" type="datetimeFigureOut">
               <a:rPr lang="bg-BG" smtClean="0"/>
-              <a:t>18.11.2015 г.</a:t>
+              <a:t>29.11.2015 г.</a:t>
             </a:fld>
             <a:endParaRPr lang="bg-BG"/>
           </a:p>
@@ -482,7 +483,7 @@
           <a:p>
             <a:fld id="{3EA744D9-3FBE-48D8-BF2A-85DF203E4D20}" type="datetimeFigureOut">
               <a:rPr lang="bg-BG" smtClean="0"/>
-              <a:t>18.11.2015 г.</a:t>
+              <a:t>29.11.2015 г.</a:t>
             </a:fld>
             <a:endParaRPr lang="bg-BG"/>
           </a:p>
@@ -662,7 +663,7 @@
           <a:p>
             <a:fld id="{3EA744D9-3FBE-48D8-BF2A-85DF203E4D20}" type="datetimeFigureOut">
               <a:rPr lang="bg-BG" smtClean="0"/>
-              <a:t>18.11.2015 г.</a:t>
+              <a:t>29.11.2015 г.</a:t>
             </a:fld>
             <a:endParaRPr lang="bg-BG"/>
           </a:p>
@@ -832,7 +833,7 @@
           <a:p>
             <a:fld id="{3EA744D9-3FBE-48D8-BF2A-85DF203E4D20}" type="datetimeFigureOut">
               <a:rPr lang="bg-BG" smtClean="0"/>
-              <a:t>18.11.2015 г.</a:t>
+              <a:t>29.11.2015 г.</a:t>
             </a:fld>
             <a:endParaRPr lang="bg-BG"/>
           </a:p>
@@ -1078,7 +1079,7 @@
           <a:p>
             <a:fld id="{3EA744D9-3FBE-48D8-BF2A-85DF203E4D20}" type="datetimeFigureOut">
               <a:rPr lang="bg-BG" smtClean="0"/>
-              <a:t>18.11.2015 г.</a:t>
+              <a:t>29.11.2015 г.</a:t>
             </a:fld>
             <a:endParaRPr lang="bg-BG"/>
           </a:p>
@@ -1366,7 +1367,7 @@
           <a:p>
             <a:fld id="{3EA744D9-3FBE-48D8-BF2A-85DF203E4D20}" type="datetimeFigureOut">
               <a:rPr lang="bg-BG" smtClean="0"/>
-              <a:t>18.11.2015 г.</a:t>
+              <a:t>29.11.2015 г.</a:t>
             </a:fld>
             <a:endParaRPr lang="bg-BG"/>
           </a:p>
@@ -1788,7 +1789,7 @@
           <a:p>
             <a:fld id="{3EA744D9-3FBE-48D8-BF2A-85DF203E4D20}" type="datetimeFigureOut">
               <a:rPr lang="bg-BG" smtClean="0"/>
-              <a:t>18.11.2015 г.</a:t>
+              <a:t>29.11.2015 г.</a:t>
             </a:fld>
             <a:endParaRPr lang="bg-BG"/>
           </a:p>
@@ -1906,7 +1907,7 @@
           <a:p>
             <a:fld id="{3EA744D9-3FBE-48D8-BF2A-85DF203E4D20}" type="datetimeFigureOut">
               <a:rPr lang="bg-BG" smtClean="0"/>
-              <a:t>18.11.2015 г.</a:t>
+              <a:t>29.11.2015 г.</a:t>
             </a:fld>
             <a:endParaRPr lang="bg-BG"/>
           </a:p>
@@ -2001,7 +2002,7 @@
           <a:p>
             <a:fld id="{3EA744D9-3FBE-48D8-BF2A-85DF203E4D20}" type="datetimeFigureOut">
               <a:rPr lang="bg-BG" smtClean="0"/>
-              <a:t>18.11.2015 г.</a:t>
+              <a:t>29.11.2015 г.</a:t>
             </a:fld>
             <a:endParaRPr lang="bg-BG"/>
           </a:p>
@@ -2278,7 +2279,7 @@
           <a:p>
             <a:fld id="{3EA744D9-3FBE-48D8-BF2A-85DF203E4D20}" type="datetimeFigureOut">
               <a:rPr lang="bg-BG" smtClean="0"/>
-              <a:t>18.11.2015 г.</a:t>
+              <a:t>29.11.2015 г.</a:t>
             </a:fld>
             <a:endParaRPr lang="bg-BG"/>
           </a:p>
@@ -2531,7 +2532,7 @@
           <a:p>
             <a:fld id="{3EA744D9-3FBE-48D8-BF2A-85DF203E4D20}" type="datetimeFigureOut">
               <a:rPr lang="bg-BG" smtClean="0"/>
-              <a:t>18.11.2015 г.</a:t>
+              <a:t>29.11.2015 г.</a:t>
             </a:fld>
             <a:endParaRPr lang="bg-BG"/>
           </a:p>
@@ -2753,7 +2754,7 @@
           <a:p>
             <a:fld id="{3EA744D9-3FBE-48D8-BF2A-85DF203E4D20}" type="datetimeFigureOut">
               <a:rPr lang="bg-BG" smtClean="0"/>
-              <a:t>18.11.2015 г.</a:t>
+              <a:t>29.11.2015 г.</a:t>
             </a:fld>
             <a:endParaRPr lang="bg-BG"/>
           </a:p>
@@ -3209,6 +3210,196 @@
     <p:extLst>
       <p:ext uri="{BB962C8B-B14F-4D97-AF65-F5344CB8AC3E}">
         <p14:creationId xmlns:p14="http://schemas.microsoft.com/office/powerpoint/2010/main" val="2032689186"/>
+      </p:ext>
+    </p:extLst>
+  </p:cSld>
+  <p:clrMapOvr>
+    <a:masterClrMapping/>
+  </p:clrMapOvr>
+  <p:timing>
+    <p:tnLst>
+      <p:par>
+        <p:cTn id="1" dur="indefinite" restart="never" nodeType="tmRoot"/>
+      </p:par>
+    </p:tnLst>
+  </p:timing>
+</p:sld>
+</file>
+
+<file path=ppt/slides/slide10.xml><?xml version="1.0" encoding="utf-8"?>
+<p:sld xmlns:a="http://schemas.openxmlformats.org/drawingml/2006/main" xmlns:r="http://schemas.openxmlformats.org/officeDocument/2006/relationships" xmlns:p="http://schemas.openxmlformats.org/presentationml/2006/main">
+  <p:cSld>
+    <p:spTree>
+      <p:nvGrpSpPr>
+        <p:cNvPr id="1" name=""/>
+        <p:cNvGrpSpPr/>
+        <p:nvPr/>
+      </p:nvGrpSpPr>
+      <p:grpSpPr>
+        <a:xfrm>
+          <a:off x="0" y="0"/>
+          <a:ext cx="0" cy="0"/>
+          <a:chOff x="0" y="0"/>
+          <a:chExt cx="0" cy="0"/>
+        </a:xfrm>
+      </p:grpSpPr>
+      <p:sp>
+        <p:nvSpPr>
+          <p:cNvPr id="2" name="Title 1"/>
+          <p:cNvSpPr>
+            <a:spLocks noGrp="1"/>
+          </p:cNvSpPr>
+          <p:nvPr>
+            <p:ph type="title"/>
+          </p:nvPr>
+        </p:nvSpPr>
+        <p:spPr>
+          <a:xfrm>
+            <a:off x="838200" y="685800"/>
+            <a:ext cx="8229600" cy="1143000"/>
+          </a:xfrm>
+        </p:spPr>
+        <p:txBody>
+          <a:bodyPr/>
+          <a:lstStyle/>
+          <a:p>
+            <a:pPr algn="l"/>
+            <a:r>
+              <a:rPr lang="bg-BG" dirty="0" smtClean="0">
+                <a:solidFill>
+                  <a:schemeClr val="accent6"/>
+                </a:solidFill>
+              </a:rPr>
+              <a:t>Въпроси</a:t>
+            </a:r>
+            <a:endParaRPr lang="bg-BG" dirty="0">
+              <a:solidFill>
+                <a:schemeClr val="accent6"/>
+              </a:solidFill>
+            </a:endParaRPr>
+          </a:p>
+        </p:txBody>
+      </p:sp>
+      <p:sp>
+        <p:nvSpPr>
+          <p:cNvPr id="3" name="Content Placeholder 2"/>
+          <p:cNvSpPr>
+            <a:spLocks noGrp="1"/>
+          </p:cNvSpPr>
+          <p:nvPr>
+            <p:ph idx="1"/>
+          </p:nvPr>
+        </p:nvSpPr>
+        <p:spPr>
+          <a:xfrm>
+            <a:off x="762000" y="1676400"/>
+            <a:ext cx="7620000" cy="4525963"/>
+          </a:xfrm>
+        </p:spPr>
+        <p:txBody>
+          <a:bodyPr>
+            <a:normAutofit/>
+          </a:bodyPr>
+          <a:lstStyle/>
+          <a:p>
+            <a:pPr>
+              <a:buFont typeface="Wingdings" panose="05000000000000000000" pitchFamily="2" charset="2"/>
+              <a:buChar char="§"/>
+            </a:pPr>
+            <a:endParaRPr lang="en-US" dirty="0">
+              <a:solidFill>
+                <a:schemeClr val="bg1">
+                  <a:lumMod val="95000"/>
+                </a:schemeClr>
+              </a:solidFill>
+            </a:endParaRPr>
+          </a:p>
+          <a:p>
+            <a:pPr>
+              <a:buFont typeface="Wingdings" panose="05000000000000000000" pitchFamily="2" charset="2"/>
+              <a:buChar char="§"/>
+            </a:pPr>
+            <a:endParaRPr lang="en-US" dirty="0">
+              <a:solidFill>
+                <a:schemeClr val="bg1">
+                  <a:lumMod val="95000"/>
+                </a:schemeClr>
+              </a:solidFill>
+            </a:endParaRPr>
+          </a:p>
+          <a:p>
+            <a:pPr>
+              <a:buFont typeface="Wingdings" panose="05000000000000000000" pitchFamily="2" charset="2"/>
+              <a:buChar char="§"/>
+            </a:pPr>
+            <a:endParaRPr lang="en-US" dirty="0">
+              <a:solidFill>
+                <a:schemeClr val="bg1">
+                  <a:lumMod val="95000"/>
+                </a:schemeClr>
+              </a:solidFill>
+            </a:endParaRPr>
+          </a:p>
+          <a:p>
+            <a:pPr>
+              <a:buFont typeface="Wingdings" panose="05000000000000000000" pitchFamily="2" charset="2"/>
+              <a:buChar char="§"/>
+            </a:pPr>
+            <a:endParaRPr lang="en-US" dirty="0">
+              <a:solidFill>
+                <a:schemeClr val="bg1">
+                  <a:lumMod val="95000"/>
+                </a:schemeClr>
+              </a:solidFill>
+            </a:endParaRPr>
+          </a:p>
+        </p:txBody>
+      </p:sp>
+      <p:pic>
+        <p:nvPicPr>
+          <p:cNvPr id="1027" name="Picture 3" descr="C:\Users\Lazar\Desktop\01-red-question-mark1.jpg"/>
+          <p:cNvPicPr>
+            <a:picLocks noChangeAspect="1" noChangeArrowheads="1"/>
+          </p:cNvPicPr>
+          <p:nvPr/>
+        </p:nvPicPr>
+        <p:blipFill>
+          <a:blip r:embed="rId2" cstate="print">
+            <a:extLst>
+              <a:ext uri="{28A0092B-C50C-407E-A947-70E740481C1C}">
+                <a14:useLocalDpi xmlns:a14="http://schemas.microsoft.com/office/drawing/2010/main" val="0"/>
+              </a:ext>
+            </a:extLst>
+          </a:blip>
+          <a:srcRect/>
+          <a:stretch>
+            <a:fillRect/>
+          </a:stretch>
+        </p:blipFill>
+        <p:spPr bwMode="auto">
+          <a:xfrm>
+            <a:off x="3505200" y="2057400"/>
+            <a:ext cx="2419082" cy="2419082"/>
+          </a:xfrm>
+          <a:prstGeom prst="rect">
+            <a:avLst/>
+          </a:prstGeom>
+          <a:noFill/>
+          <a:extLst>
+            <a:ext uri="{909E8E84-426E-40DD-AFC4-6F175D3DCCD1}">
+              <a14:hiddenFill xmlns:a14="http://schemas.microsoft.com/office/drawing/2010/main">
+                <a:solidFill>
+                  <a:srgbClr val="FFFFFF"/>
+                </a:solidFill>
+              </a14:hiddenFill>
+            </a:ext>
+          </a:extLst>
+        </p:spPr>
+      </p:pic>
+    </p:spTree>
+    <p:extLst>
+      <p:ext uri="{BB962C8B-B14F-4D97-AF65-F5344CB8AC3E}">
+        <p14:creationId xmlns:p14="http://schemas.microsoft.com/office/powerpoint/2010/main" val="765554641"/>
       </p:ext>
     </p:extLst>
   </p:cSld>
